--- a/InventoryPPT.pptx
+++ b/InventoryPPT.pptx
@@ -112,6 +112,22 @@
       </a:defRPr>
     </a:lvl9pPr>
   </p:defaultTextStyle>
+  <p:extLst>
+    <p:ext uri="{EFAFB233-063F-42B5-8137-9DF3F51BA10A}">
+      <p15:sldGuideLst xmlns:p15="http://schemas.microsoft.com/office/powerpoint/2012/main">
+        <p15:guide id="1" orient="horz" pos="2160">
+          <p15:clr>
+            <a:srgbClr val="A4A3A4"/>
+          </p15:clr>
+        </p15:guide>
+        <p15:guide id="2" pos="2880">
+          <p15:clr>
+            <a:srgbClr val="A4A3A4"/>
+          </p15:clr>
+        </p15:guide>
+      </p15:sldGuideLst>
+    </p:ext>
+  </p:extLst>
 </p:presentation>
 </file>
 
@@ -157,10 +173,9 @@
           </a:lstStyle>
           <a:p>
             <a:r>
-              <a:rPr lang="ko-KR" altLang="en-US" smtClean="0"/>
+              <a:rPr lang="ko-KR" altLang="en-US"/>
               <a:t>마스터 제목 스타일 편집</a:t>
             </a:r>
-            <a:endParaRPr lang="ko-KR" altLang="en-US"/>
           </a:p>
         </p:txBody>
       </p:sp>
@@ -222,10 +237,9 @@
           </a:lstStyle>
           <a:p>
             <a:r>
-              <a:rPr lang="ko-KR" altLang="en-US" smtClean="0"/>
+              <a:rPr lang="ko-KR" altLang="en-US"/>
               <a:t>마스터 부제목 스타일 편집</a:t>
             </a:r>
-            <a:endParaRPr lang="ko-KR" altLang="en-US"/>
           </a:p>
         </p:txBody>
       </p:sp>
@@ -253,7 +267,7 @@
                 </a:solidFill>
               </a:rPr>
               <a:pPr/>
-              <a:t>2019-10-24</a:t>
+              <a:t>2022-12-11</a:t>
             </a:fld>
             <a:endParaRPr lang="ko-KR" altLang="en-US">
               <a:solidFill>
@@ -372,10 +386,9 @@
           <a:lstStyle/>
           <a:p>
             <a:r>
-              <a:rPr lang="ko-KR" altLang="en-US" smtClean="0"/>
+              <a:rPr lang="ko-KR" altLang="en-US"/>
               <a:t>마스터 제목 스타일 편집</a:t>
             </a:r>
-            <a:endParaRPr lang="ko-KR" altLang="en-US"/>
           </a:p>
         </p:txBody>
       </p:sp>
@@ -396,38 +409,37 @@
           <a:p>
             <a:pPr lvl="0"/>
             <a:r>
-              <a:rPr lang="ko-KR" altLang="en-US" smtClean="0"/>
+              <a:rPr lang="ko-KR" altLang="en-US"/>
               <a:t>마스터 텍스트 스타일을 편집합니다</a:t>
             </a:r>
           </a:p>
           <a:p>
             <a:pPr lvl="1"/>
             <a:r>
-              <a:rPr lang="ko-KR" altLang="en-US" smtClean="0"/>
+              <a:rPr lang="ko-KR" altLang="en-US"/>
               <a:t>둘째 수준</a:t>
             </a:r>
           </a:p>
           <a:p>
             <a:pPr lvl="2"/>
             <a:r>
-              <a:rPr lang="ko-KR" altLang="en-US" smtClean="0"/>
+              <a:rPr lang="ko-KR" altLang="en-US"/>
               <a:t>셋째 수준</a:t>
             </a:r>
           </a:p>
           <a:p>
             <a:pPr lvl="3"/>
             <a:r>
-              <a:rPr lang="ko-KR" altLang="en-US" smtClean="0"/>
+              <a:rPr lang="ko-KR" altLang="en-US"/>
               <a:t>넷째 수준</a:t>
             </a:r>
           </a:p>
           <a:p>
             <a:pPr lvl="4"/>
             <a:r>
-              <a:rPr lang="ko-KR" altLang="en-US" smtClean="0"/>
+              <a:rPr lang="ko-KR" altLang="en-US"/>
               <a:t>다섯째 수준</a:t>
             </a:r>
-            <a:endParaRPr lang="ko-KR" altLang="en-US"/>
           </a:p>
         </p:txBody>
       </p:sp>
@@ -455,7 +467,7 @@
                 </a:solidFill>
               </a:rPr>
               <a:pPr/>
-              <a:t>2019-10-24</a:t>
+              <a:t>2022-12-11</a:t>
             </a:fld>
             <a:endParaRPr lang="ko-KR" altLang="en-US">
               <a:solidFill>
@@ -579,10 +591,9 @@
           <a:lstStyle/>
           <a:p>
             <a:r>
-              <a:rPr lang="ko-KR" altLang="en-US" smtClean="0"/>
+              <a:rPr lang="ko-KR" altLang="en-US"/>
               <a:t>마스터 제목 스타일 편집</a:t>
             </a:r>
-            <a:endParaRPr lang="ko-KR" altLang="en-US"/>
           </a:p>
         </p:txBody>
       </p:sp>
@@ -608,38 +619,37 @@
           <a:p>
             <a:pPr lvl="0"/>
             <a:r>
-              <a:rPr lang="ko-KR" altLang="en-US" smtClean="0"/>
+              <a:rPr lang="ko-KR" altLang="en-US"/>
               <a:t>마스터 텍스트 스타일을 편집합니다</a:t>
             </a:r>
           </a:p>
           <a:p>
             <a:pPr lvl="1"/>
             <a:r>
-              <a:rPr lang="ko-KR" altLang="en-US" smtClean="0"/>
+              <a:rPr lang="ko-KR" altLang="en-US"/>
               <a:t>둘째 수준</a:t>
             </a:r>
           </a:p>
           <a:p>
             <a:pPr lvl="2"/>
             <a:r>
-              <a:rPr lang="ko-KR" altLang="en-US" smtClean="0"/>
+              <a:rPr lang="ko-KR" altLang="en-US"/>
               <a:t>셋째 수준</a:t>
             </a:r>
           </a:p>
           <a:p>
             <a:pPr lvl="3"/>
             <a:r>
-              <a:rPr lang="ko-KR" altLang="en-US" smtClean="0"/>
+              <a:rPr lang="ko-KR" altLang="en-US"/>
               <a:t>넷째 수준</a:t>
             </a:r>
           </a:p>
           <a:p>
             <a:pPr lvl="4"/>
             <a:r>
-              <a:rPr lang="ko-KR" altLang="en-US" smtClean="0"/>
+              <a:rPr lang="ko-KR" altLang="en-US"/>
               <a:t>다섯째 수준</a:t>
             </a:r>
-            <a:endParaRPr lang="ko-KR" altLang="en-US"/>
           </a:p>
         </p:txBody>
       </p:sp>
@@ -667,7 +677,7 @@
                 </a:solidFill>
               </a:rPr>
               <a:pPr/>
-              <a:t>2019-10-24</a:t>
+              <a:t>2022-12-11</a:t>
             </a:fld>
             <a:endParaRPr lang="ko-KR" altLang="en-US">
               <a:solidFill>
@@ -786,10 +796,9 @@
           <a:lstStyle/>
           <a:p>
             <a:r>
-              <a:rPr lang="ko-KR" altLang="en-US" smtClean="0"/>
+              <a:rPr lang="ko-KR" altLang="en-US"/>
               <a:t>마스터 제목 스타일 편집</a:t>
             </a:r>
-            <a:endParaRPr lang="ko-KR" altLang="en-US"/>
           </a:p>
         </p:txBody>
       </p:sp>
@@ -810,38 +819,37 @@
           <a:p>
             <a:pPr lvl="0"/>
             <a:r>
-              <a:rPr lang="ko-KR" altLang="en-US" smtClean="0"/>
+              <a:rPr lang="ko-KR" altLang="en-US"/>
               <a:t>마스터 텍스트 스타일을 편집합니다</a:t>
             </a:r>
           </a:p>
           <a:p>
             <a:pPr lvl="1"/>
             <a:r>
-              <a:rPr lang="ko-KR" altLang="en-US" smtClean="0"/>
+              <a:rPr lang="ko-KR" altLang="en-US"/>
               <a:t>둘째 수준</a:t>
             </a:r>
           </a:p>
           <a:p>
             <a:pPr lvl="2"/>
             <a:r>
-              <a:rPr lang="ko-KR" altLang="en-US" smtClean="0"/>
+              <a:rPr lang="ko-KR" altLang="en-US"/>
               <a:t>셋째 수준</a:t>
             </a:r>
           </a:p>
           <a:p>
             <a:pPr lvl="3"/>
             <a:r>
-              <a:rPr lang="ko-KR" altLang="en-US" smtClean="0"/>
+              <a:rPr lang="ko-KR" altLang="en-US"/>
               <a:t>넷째 수준</a:t>
             </a:r>
           </a:p>
           <a:p>
             <a:pPr lvl="4"/>
             <a:r>
-              <a:rPr lang="ko-KR" altLang="en-US" smtClean="0"/>
+              <a:rPr lang="ko-KR" altLang="en-US"/>
               <a:t>다섯째 수준</a:t>
             </a:r>
-            <a:endParaRPr lang="ko-KR" altLang="en-US"/>
           </a:p>
         </p:txBody>
       </p:sp>
@@ -869,7 +877,7 @@
                 </a:solidFill>
               </a:rPr>
               <a:pPr/>
-              <a:t>2019-10-24</a:t>
+              <a:t>2022-12-11</a:t>
             </a:fld>
             <a:endParaRPr lang="ko-KR" altLang="en-US">
               <a:solidFill>
@@ -997,10 +1005,9 @@
           </a:lstStyle>
           <a:p>
             <a:r>
-              <a:rPr lang="ko-KR" altLang="en-US" smtClean="0"/>
+              <a:rPr lang="ko-KR" altLang="en-US"/>
               <a:t>마스터 제목 스타일 편집</a:t>
             </a:r>
-            <a:endParaRPr lang="ko-KR" altLang="en-US"/>
           </a:p>
         </p:txBody>
       </p:sp>
@@ -1117,7 +1124,7 @@
           <a:p>
             <a:pPr lvl="0"/>
             <a:r>
-              <a:rPr lang="ko-KR" altLang="en-US" smtClean="0"/>
+              <a:rPr lang="ko-KR" altLang="en-US"/>
               <a:t>마스터 텍스트 스타일을 편집합니다</a:t>
             </a:r>
           </a:p>
@@ -1147,7 +1154,7 @@
                 </a:solidFill>
               </a:rPr>
               <a:pPr/>
-              <a:t>2019-10-24</a:t>
+              <a:t>2022-12-11</a:t>
             </a:fld>
             <a:endParaRPr lang="ko-KR" altLang="en-US">
               <a:solidFill>
@@ -1266,10 +1273,9 @@
           <a:lstStyle/>
           <a:p>
             <a:r>
-              <a:rPr lang="ko-KR" altLang="en-US" smtClean="0"/>
+              <a:rPr lang="ko-KR" altLang="en-US"/>
               <a:t>마스터 제목 스타일 편집</a:t>
             </a:r>
-            <a:endParaRPr lang="ko-KR" altLang="en-US"/>
           </a:p>
         </p:txBody>
       </p:sp>
@@ -1295,38 +1301,37 @@
           <a:p>
             <a:pPr lvl="0"/>
             <a:r>
-              <a:rPr lang="ko-KR" altLang="en-US" smtClean="0"/>
+              <a:rPr lang="ko-KR" altLang="en-US"/>
               <a:t>마스터 텍스트 스타일을 편집합니다</a:t>
             </a:r>
           </a:p>
           <a:p>
             <a:pPr lvl="1"/>
             <a:r>
-              <a:rPr lang="ko-KR" altLang="en-US" smtClean="0"/>
+              <a:rPr lang="ko-KR" altLang="en-US"/>
               <a:t>둘째 수준</a:t>
             </a:r>
           </a:p>
           <a:p>
             <a:pPr lvl="2"/>
             <a:r>
-              <a:rPr lang="ko-KR" altLang="en-US" smtClean="0"/>
+              <a:rPr lang="ko-KR" altLang="en-US"/>
               <a:t>셋째 수준</a:t>
             </a:r>
           </a:p>
           <a:p>
             <a:pPr lvl="3"/>
             <a:r>
-              <a:rPr lang="ko-KR" altLang="en-US" smtClean="0"/>
+              <a:rPr lang="ko-KR" altLang="en-US"/>
               <a:t>넷째 수준</a:t>
             </a:r>
           </a:p>
           <a:p>
             <a:pPr lvl="4"/>
             <a:r>
-              <a:rPr lang="ko-KR" altLang="en-US" smtClean="0"/>
+              <a:rPr lang="ko-KR" altLang="en-US"/>
               <a:t>다섯째 수준</a:t>
             </a:r>
-            <a:endParaRPr lang="ko-KR" altLang="en-US"/>
           </a:p>
         </p:txBody>
       </p:sp>
@@ -1352,38 +1357,37 @@
           <a:p>
             <a:pPr lvl="0"/>
             <a:r>
-              <a:rPr lang="ko-KR" altLang="en-US" smtClean="0"/>
+              <a:rPr lang="ko-KR" altLang="en-US"/>
               <a:t>마스터 텍스트 스타일을 편집합니다</a:t>
             </a:r>
           </a:p>
           <a:p>
             <a:pPr lvl="1"/>
             <a:r>
-              <a:rPr lang="ko-KR" altLang="en-US" smtClean="0"/>
+              <a:rPr lang="ko-KR" altLang="en-US"/>
               <a:t>둘째 수준</a:t>
             </a:r>
           </a:p>
           <a:p>
             <a:pPr lvl="2"/>
             <a:r>
-              <a:rPr lang="ko-KR" altLang="en-US" smtClean="0"/>
+              <a:rPr lang="ko-KR" altLang="en-US"/>
               <a:t>셋째 수준</a:t>
             </a:r>
           </a:p>
           <a:p>
             <a:pPr lvl="3"/>
             <a:r>
-              <a:rPr lang="ko-KR" altLang="en-US" smtClean="0"/>
+              <a:rPr lang="ko-KR" altLang="en-US"/>
               <a:t>넷째 수준</a:t>
             </a:r>
           </a:p>
           <a:p>
             <a:pPr lvl="4"/>
             <a:r>
-              <a:rPr lang="ko-KR" altLang="en-US" smtClean="0"/>
+              <a:rPr lang="ko-KR" altLang="en-US"/>
               <a:t>다섯째 수준</a:t>
             </a:r>
-            <a:endParaRPr lang="ko-KR" altLang="en-US"/>
           </a:p>
         </p:txBody>
       </p:sp>
@@ -1411,7 +1415,7 @@
                 </a:solidFill>
               </a:rPr>
               <a:pPr/>
-              <a:t>2019-10-24</a:t>
+              <a:t>2022-12-11</a:t>
             </a:fld>
             <a:endParaRPr lang="ko-KR" altLang="en-US">
               <a:solidFill>
@@ -1535,10 +1539,9 @@
           <a:lstStyle/>
           <a:p>
             <a:r>
-              <a:rPr lang="ko-KR" altLang="en-US" smtClean="0"/>
+              <a:rPr lang="ko-KR" altLang="en-US"/>
               <a:t>마스터 제목 스타일 편집</a:t>
             </a:r>
-            <a:endParaRPr lang="ko-KR" altLang="en-US"/>
           </a:p>
         </p:txBody>
       </p:sp>
@@ -1601,7 +1604,7 @@
           <a:p>
             <a:pPr lvl="0"/>
             <a:r>
-              <a:rPr lang="ko-KR" altLang="en-US" smtClean="0"/>
+              <a:rPr lang="ko-KR" altLang="en-US"/>
               <a:t>마스터 텍스트 스타일을 편집합니다</a:t>
             </a:r>
           </a:p>
@@ -1629,38 +1632,37 @@
           <a:p>
             <a:pPr lvl="0"/>
             <a:r>
-              <a:rPr lang="ko-KR" altLang="en-US" smtClean="0"/>
+              <a:rPr lang="ko-KR" altLang="en-US"/>
               <a:t>마스터 텍스트 스타일을 편집합니다</a:t>
             </a:r>
           </a:p>
           <a:p>
             <a:pPr lvl="1"/>
             <a:r>
-              <a:rPr lang="ko-KR" altLang="en-US" smtClean="0"/>
+              <a:rPr lang="ko-KR" altLang="en-US"/>
               <a:t>둘째 수준</a:t>
             </a:r>
           </a:p>
           <a:p>
             <a:pPr lvl="2"/>
             <a:r>
-              <a:rPr lang="ko-KR" altLang="en-US" smtClean="0"/>
+              <a:rPr lang="ko-KR" altLang="en-US"/>
               <a:t>셋째 수준</a:t>
             </a:r>
           </a:p>
           <a:p>
             <a:pPr lvl="3"/>
             <a:r>
-              <a:rPr lang="ko-KR" altLang="en-US" smtClean="0"/>
+              <a:rPr lang="ko-KR" altLang="en-US"/>
               <a:t>넷째 수준</a:t>
             </a:r>
           </a:p>
           <a:p>
             <a:pPr lvl="4"/>
             <a:r>
-              <a:rPr lang="ko-KR" altLang="en-US" smtClean="0"/>
+              <a:rPr lang="ko-KR" altLang="en-US"/>
               <a:t>다섯째 수준</a:t>
             </a:r>
-            <a:endParaRPr lang="ko-KR" altLang="en-US"/>
           </a:p>
         </p:txBody>
       </p:sp>
@@ -1723,7 +1725,7 @@
           <a:p>
             <a:pPr lvl="0"/>
             <a:r>
-              <a:rPr lang="ko-KR" altLang="en-US" smtClean="0"/>
+              <a:rPr lang="ko-KR" altLang="en-US"/>
               <a:t>마스터 텍스트 스타일을 편집합니다</a:t>
             </a:r>
           </a:p>
@@ -1751,38 +1753,37 @@
           <a:p>
             <a:pPr lvl="0"/>
             <a:r>
-              <a:rPr lang="ko-KR" altLang="en-US" smtClean="0"/>
+              <a:rPr lang="ko-KR" altLang="en-US"/>
               <a:t>마스터 텍스트 스타일을 편집합니다</a:t>
             </a:r>
           </a:p>
           <a:p>
             <a:pPr lvl="1"/>
             <a:r>
-              <a:rPr lang="ko-KR" altLang="en-US" smtClean="0"/>
+              <a:rPr lang="ko-KR" altLang="en-US"/>
               <a:t>둘째 수준</a:t>
             </a:r>
           </a:p>
           <a:p>
             <a:pPr lvl="2"/>
             <a:r>
-              <a:rPr lang="ko-KR" altLang="en-US" smtClean="0"/>
+              <a:rPr lang="ko-KR" altLang="en-US"/>
               <a:t>셋째 수준</a:t>
             </a:r>
           </a:p>
           <a:p>
             <a:pPr lvl="3"/>
             <a:r>
-              <a:rPr lang="ko-KR" altLang="en-US" smtClean="0"/>
+              <a:rPr lang="ko-KR" altLang="en-US"/>
               <a:t>넷째 수준</a:t>
             </a:r>
           </a:p>
           <a:p>
             <a:pPr lvl="4"/>
             <a:r>
-              <a:rPr lang="ko-KR" altLang="en-US" smtClean="0"/>
+              <a:rPr lang="ko-KR" altLang="en-US"/>
               <a:t>다섯째 수준</a:t>
             </a:r>
-            <a:endParaRPr lang="ko-KR" altLang="en-US"/>
           </a:p>
         </p:txBody>
       </p:sp>
@@ -1810,7 +1811,7 @@
                 </a:solidFill>
               </a:rPr>
               <a:pPr/>
-              <a:t>2019-10-24</a:t>
+              <a:t>2022-12-11</a:t>
             </a:fld>
             <a:endParaRPr lang="ko-KR" altLang="en-US">
               <a:solidFill>
@@ -1929,10 +1930,9 @@
           <a:lstStyle/>
           <a:p>
             <a:r>
-              <a:rPr lang="ko-KR" altLang="en-US" smtClean="0"/>
+              <a:rPr lang="ko-KR" altLang="en-US"/>
               <a:t>마스터 제목 스타일 편집</a:t>
             </a:r>
-            <a:endParaRPr lang="ko-KR" altLang="en-US"/>
           </a:p>
         </p:txBody>
       </p:sp>
@@ -1960,7 +1960,7 @@
                 </a:solidFill>
               </a:rPr>
               <a:pPr/>
-              <a:t>2019-10-24</a:t>
+              <a:t>2022-12-11</a:t>
             </a:fld>
             <a:endParaRPr lang="ko-KR" altLang="en-US">
               <a:solidFill>
@@ -2087,7 +2087,7 @@
                 </a:solidFill>
               </a:rPr>
               <a:pPr/>
-              <a:t>2019-10-24</a:t>
+              <a:t>2022-12-11</a:t>
             </a:fld>
             <a:endParaRPr lang="ko-KR" altLang="en-US">
               <a:solidFill>
@@ -2215,10 +2215,9 @@
           </a:lstStyle>
           <a:p>
             <a:r>
-              <a:rPr lang="ko-KR" altLang="en-US" smtClean="0"/>
+              <a:rPr lang="ko-KR" altLang="en-US"/>
               <a:t>마스터 제목 스타일 편집</a:t>
             </a:r>
-            <a:endParaRPr lang="ko-KR" altLang="en-US"/>
           </a:p>
         </p:txBody>
       </p:sp>
@@ -2272,38 +2271,37 @@
           <a:p>
             <a:pPr lvl="0"/>
             <a:r>
-              <a:rPr lang="ko-KR" altLang="en-US" smtClean="0"/>
+              <a:rPr lang="ko-KR" altLang="en-US"/>
               <a:t>마스터 텍스트 스타일을 편집합니다</a:t>
             </a:r>
           </a:p>
           <a:p>
             <a:pPr lvl="1"/>
             <a:r>
-              <a:rPr lang="ko-KR" altLang="en-US" smtClean="0"/>
+              <a:rPr lang="ko-KR" altLang="en-US"/>
               <a:t>둘째 수준</a:t>
             </a:r>
           </a:p>
           <a:p>
             <a:pPr lvl="2"/>
             <a:r>
-              <a:rPr lang="ko-KR" altLang="en-US" smtClean="0"/>
+              <a:rPr lang="ko-KR" altLang="en-US"/>
               <a:t>셋째 수준</a:t>
             </a:r>
           </a:p>
           <a:p>
             <a:pPr lvl="3"/>
             <a:r>
-              <a:rPr lang="ko-KR" altLang="en-US" smtClean="0"/>
+              <a:rPr lang="ko-KR" altLang="en-US"/>
               <a:t>넷째 수준</a:t>
             </a:r>
           </a:p>
           <a:p>
             <a:pPr lvl="4"/>
             <a:r>
-              <a:rPr lang="ko-KR" altLang="en-US" smtClean="0"/>
+              <a:rPr lang="ko-KR" altLang="en-US"/>
               <a:t>다섯째 수준</a:t>
             </a:r>
-            <a:endParaRPr lang="ko-KR" altLang="en-US"/>
           </a:p>
         </p:txBody>
       </p:sp>
@@ -2366,7 +2364,7 @@
           <a:p>
             <a:pPr lvl="0"/>
             <a:r>
-              <a:rPr lang="ko-KR" altLang="en-US" smtClean="0"/>
+              <a:rPr lang="ko-KR" altLang="en-US"/>
               <a:t>마스터 텍스트 스타일을 편집합니다</a:t>
             </a:r>
           </a:p>
@@ -2396,7 +2394,7 @@
                 </a:solidFill>
               </a:rPr>
               <a:pPr/>
-              <a:t>2019-10-24</a:t>
+              <a:t>2022-12-11</a:t>
             </a:fld>
             <a:endParaRPr lang="ko-KR" altLang="en-US">
               <a:solidFill>
@@ -2524,10 +2522,9 @@
           </a:lstStyle>
           <a:p>
             <a:r>
-              <a:rPr lang="ko-KR" altLang="en-US" smtClean="0"/>
+              <a:rPr lang="ko-KR" altLang="en-US"/>
               <a:t>마스터 제목 스타일 편집</a:t>
             </a:r>
-            <a:endParaRPr lang="ko-KR" altLang="en-US"/>
           </a:p>
         </p:txBody>
       </p:sp>
@@ -2651,7 +2648,7 @@
           <a:p>
             <a:pPr lvl="0"/>
             <a:r>
-              <a:rPr lang="ko-KR" altLang="en-US" smtClean="0"/>
+              <a:rPr lang="ko-KR" altLang="en-US"/>
               <a:t>마스터 텍스트 스타일을 편집합니다</a:t>
             </a:r>
           </a:p>
@@ -2681,7 +2678,7 @@
                 </a:solidFill>
               </a:rPr>
               <a:pPr/>
-              <a:t>2019-10-24</a:t>
+              <a:t>2022-12-11</a:t>
             </a:fld>
             <a:endParaRPr lang="ko-KR" altLang="en-US">
               <a:solidFill>
@@ -2815,10 +2812,9 @@
           <a:lstStyle/>
           <a:p>
             <a:r>
-              <a:rPr lang="ko-KR" altLang="en-US" smtClean="0"/>
+              <a:rPr lang="ko-KR" altLang="en-US"/>
               <a:t>마스터 제목 스타일 편집</a:t>
             </a:r>
-            <a:endParaRPr lang="ko-KR" altLang="en-US"/>
           </a:p>
         </p:txBody>
       </p:sp>
@@ -2849,38 +2845,37 @@
           <a:p>
             <a:pPr lvl="0"/>
             <a:r>
-              <a:rPr lang="ko-KR" altLang="en-US" smtClean="0"/>
+              <a:rPr lang="ko-KR" altLang="en-US"/>
               <a:t>마스터 텍스트 스타일을 편집합니다</a:t>
             </a:r>
           </a:p>
           <a:p>
             <a:pPr lvl="1"/>
             <a:r>
-              <a:rPr lang="ko-KR" altLang="en-US" smtClean="0"/>
+              <a:rPr lang="ko-KR" altLang="en-US"/>
               <a:t>둘째 수준</a:t>
             </a:r>
           </a:p>
           <a:p>
             <a:pPr lvl="2"/>
             <a:r>
-              <a:rPr lang="ko-KR" altLang="en-US" smtClean="0"/>
+              <a:rPr lang="ko-KR" altLang="en-US"/>
               <a:t>셋째 수준</a:t>
             </a:r>
           </a:p>
           <a:p>
             <a:pPr lvl="3"/>
             <a:r>
-              <a:rPr lang="ko-KR" altLang="en-US" smtClean="0"/>
+              <a:rPr lang="ko-KR" altLang="en-US"/>
               <a:t>넷째 수준</a:t>
             </a:r>
           </a:p>
           <a:p>
             <a:pPr lvl="4"/>
             <a:r>
-              <a:rPr lang="ko-KR" altLang="en-US" smtClean="0"/>
+              <a:rPr lang="ko-KR" altLang="en-US"/>
               <a:t>다섯째 수준</a:t>
             </a:r>
-            <a:endParaRPr lang="ko-KR" altLang="en-US"/>
           </a:p>
         </p:txBody>
       </p:sp>
@@ -2926,7 +2921,7 @@
                 </a:solidFill>
               </a:rPr>
               <a:pPr/>
-              <a:t>2019-10-24</a:t>
+              <a:t>2022-12-11</a:t>
             </a:fld>
             <a:endParaRPr lang="ko-KR" altLang="en-US">
               <a:solidFill>
@@ -3775,7 +3770,7 @@
         </p:nvSpPr>
         <p:spPr>
           <a:xfrm>
-            <a:off x="2918830" y="980728"/>
+            <a:off x="2936081" y="1036914"/>
             <a:ext cx="3271838" cy="936104"/>
           </a:xfrm>
           <a:prstGeom prst="rect">
@@ -3814,26 +3809,10 @@
               </a:lnSpc>
               <a:defRPr/>
             </a:pPr>
-            <a:endParaRPr lang="en-US" altLang="ko-KR" sz="1050" kern="0" dirty="0">
-              <a:solidFill>
-                <a:prstClr val="black">
-                  <a:lumMod val="75000"/>
-                  <a:lumOff val="25000"/>
-                </a:prstClr>
-              </a:solidFill>
-            </a:endParaRPr>
-          </a:p>
-          <a:p>
-            <a:pPr algn="ctr" latinLnBrk="0">
-              <a:lnSpc>
-                <a:spcPct val="150000"/>
-              </a:lnSpc>
-              <a:defRPr/>
-            </a:pPr>
             <a:r>
-              <a:rPr lang="en-US" altLang="ko-KR" kern="0" dirty="0" smtClean="0">
+              <a:rPr lang="en-US" altLang="ko-KR" kern="0" dirty="0">
                 <a:solidFill>
-                  <a:srgbClr val="FF0000"/>
+                  <a:schemeClr val="tx1"/>
                 </a:solidFill>
               </a:rPr>
               <a:t>Make Your Storage Clear</a:t>
@@ -3847,16 +3826,16 @@
               <a:defRPr/>
             </a:pPr>
             <a:r>
-              <a:rPr lang="en-US" altLang="ko-KR" kern="0" dirty="0" smtClean="0">
+              <a:rPr lang="en-US" altLang="ko-KR" kern="0" dirty="0">
                 <a:solidFill>
-                  <a:srgbClr val="FF0000"/>
+                  <a:schemeClr val="tx1"/>
                 </a:solidFill>
               </a:rPr>
               <a:t>ERP </a:t>
             </a:r>
             <a:endParaRPr lang="ko-KR" altLang="en-US" kern="0" dirty="0">
               <a:solidFill>
-                <a:srgbClr val="FF0000"/>
+                <a:schemeClr val="tx1"/>
               </a:solidFill>
             </a:endParaRPr>
           </a:p>
@@ -3922,18 +3901,13 @@
           <a:lstStyle/>
           <a:p>
             <a:r>
-              <a:rPr lang="ko-KR" altLang="en-US" sz="1600" b="1" dirty="0" smtClean="0">
+              <a:rPr lang="ko-KR" altLang="en-US" sz="1600" b="1" dirty="0">
                 <a:solidFill>
                   <a:prstClr val="white"/>
                 </a:solidFill>
               </a:rPr>
               <a:t>일병  강성준 </a:t>
             </a:r>
-            <a:endParaRPr lang="ko-KR" altLang="en-US" sz="1600" b="1" dirty="0">
-              <a:solidFill>
-                <a:prstClr val="white"/>
-              </a:solidFill>
-            </a:endParaRPr>
           </a:p>
         </p:txBody>
       </p:sp>
@@ -3979,8 +3953,8 @@
           <p:nvPr/>
         </p:nvSpPr>
         <p:spPr>
-          <a:xfrm>
-            <a:off x="6232100" y="2465546"/>
+          <a:xfrm rot="16200000">
+            <a:off x="3433265" y="71700"/>
             <a:ext cx="430887" cy="1447936"/>
           </a:xfrm>
           <a:prstGeom prst="rect">
@@ -3997,7 +3971,7 @@
           <a:lstStyle/>
           <a:p>
             <a:r>
-              <a:rPr lang="en-US" altLang="ko-KR" sz="1600" b="1" dirty="0" smtClean="0">
+              <a:rPr lang="en-US" altLang="ko-KR" sz="1600" b="1" dirty="0">
                 <a:solidFill>
                   <a:prstClr val="white"/>
                 </a:solidFill>
@@ -4063,13 +4037,6 @@
   <p:clrMapOvr>
     <a:masterClrMapping/>
   </p:clrMapOvr>
-  <p:timing>
-    <p:tnLst>
-      <p:par>
-        <p:cTn id="1" dur="indefinite" restart="never" nodeType="tmRoot"/>
-      </p:par>
-    </p:tnLst>
-  </p:timing>
 </p:sld>
 </file>
 
@@ -7135,7 +7102,7 @@
           <a:lstStyle/>
           <a:p>
             <a:r>
-              <a:rPr lang="ko-KR" altLang="en-US" sz="3200" dirty="0" smtClean="0">
+              <a:rPr lang="ko-KR" altLang="en-US" sz="3200" dirty="0">
                 <a:solidFill>
                   <a:srgbClr val="C00000"/>
                 </a:solidFill>
@@ -7175,7 +7142,7 @@
           <a:p>
             <a:pPr algn="r"/>
             <a:r>
-              <a:rPr lang="ko-KR" altLang="en-US" sz="2000" dirty="0" smtClean="0">
+              <a:rPr lang="ko-KR" altLang="en-US" sz="2000" dirty="0">
                 <a:solidFill>
                   <a:prstClr val="black">
                     <a:lumMod val="65000"/>
@@ -7185,23 +7152,10 @@
                 <a:latin typeface="야놀자 야체 B" panose="02020603020101020101" pitchFamily="18" charset="-127"/>
                 <a:ea typeface="야놀자 야체 B" panose="02020603020101020101" pitchFamily="18" charset="-127"/>
               </a:rPr>
-              <a:t>오늘 </a:t>
+              <a:t>오늘 일과는 </a:t>
             </a:r>
             <a:r>
-              <a:rPr lang="ko-KR" altLang="en-US" sz="2000" dirty="0" smtClean="0">
-                <a:solidFill>
-                  <a:prstClr val="black">
-                    <a:lumMod val="65000"/>
-                    <a:lumOff val="35000"/>
-                  </a:prstClr>
-                </a:solidFill>
-                <a:latin typeface="야놀자 야체 B" panose="02020603020101020101" pitchFamily="18" charset="-127"/>
-                <a:ea typeface="야놀자 야체 B" panose="02020603020101020101" pitchFamily="18" charset="-127"/>
-              </a:rPr>
-              <a:t>일과는 </a:t>
-            </a:r>
-            <a:r>
-              <a:rPr lang="ko-KR" altLang="en-US" sz="2000" dirty="0" smtClean="0">
+              <a:rPr lang="ko-KR" altLang="en-US" sz="2000" dirty="0">
                 <a:solidFill>
                   <a:srgbClr val="FF0000"/>
                 </a:solidFill>
@@ -7241,7 +7195,7 @@
           <a:p>
             <a:pPr algn="r"/>
             <a:r>
-              <a:rPr lang="en-US" altLang="ko-KR" sz="2000" dirty="0" smtClean="0">
+              <a:rPr lang="en-US" altLang="ko-KR" sz="2000" dirty="0">
                 <a:solidFill>
                   <a:srgbClr val="FF0000"/>
                 </a:solidFill>
@@ -7251,7 +7205,7 @@
               <a:t>&lt;</a:t>
             </a:r>
             <a:r>
-              <a:rPr lang="ko-KR" altLang="en-US" sz="2000" dirty="0" smtClean="0">
+              <a:rPr lang="ko-KR" altLang="en-US" sz="2000" dirty="0">
                 <a:solidFill>
                   <a:srgbClr val="FF0000"/>
                 </a:solidFill>
@@ -7261,7 +7215,7 @@
               <a:t>무전기 쓰고 꼭 돌려주세요</a:t>
             </a:r>
             <a:r>
-              <a:rPr lang="en-US" altLang="ko-KR" sz="2000" dirty="0" smtClean="0">
+              <a:rPr lang="en-US" altLang="ko-KR" sz="2000" dirty="0">
                 <a:solidFill>
                   <a:srgbClr val="FF0000"/>
                 </a:solidFill>
@@ -7274,7 +7228,7 @@
           <a:p>
             <a:pPr algn="r"/>
             <a:r>
-              <a:rPr lang="en-US" altLang="ko-KR" sz="2000" dirty="0" smtClean="0">
+              <a:rPr lang="en-US" altLang="ko-KR" sz="2000" dirty="0">
                 <a:solidFill>
                   <a:srgbClr val="FF0000"/>
                 </a:solidFill>
@@ -7284,7 +7238,7 @@
               <a:t>(</a:t>
             </a:r>
             <a:r>
-              <a:rPr lang="ko-KR" altLang="en-US" sz="2000" dirty="0" smtClean="0">
+              <a:rPr lang="ko-KR" altLang="en-US" sz="2000" dirty="0">
                 <a:solidFill>
                   <a:srgbClr val="FF0000"/>
                 </a:solidFill>
@@ -7294,7 +7248,7 @@
               <a:t>효과 </a:t>
             </a:r>
             <a:r>
-              <a:rPr lang="en-US" altLang="ko-KR" sz="2000" dirty="0" smtClean="0">
+              <a:rPr lang="en-US" altLang="ko-KR" sz="2000" dirty="0">
                 <a:solidFill>
                   <a:srgbClr val="FF0000"/>
                 </a:solidFill>
@@ -7304,7 +7258,7 @@
               <a:t>: </a:t>
             </a:r>
             <a:r>
-              <a:rPr lang="ko-KR" altLang="en-US" sz="2000" dirty="0" smtClean="0">
+              <a:rPr lang="ko-KR" altLang="en-US" sz="2000" dirty="0">
                 <a:solidFill>
                   <a:srgbClr val="FF0000"/>
                 </a:solidFill>
@@ -7314,7 +7268,7 @@
               <a:t>무전기 사라짐 </a:t>
             </a:r>
             <a:r>
-              <a:rPr lang="en-US" altLang="ko-KR" sz="2000" dirty="0" smtClean="0">
+              <a:rPr lang="en-US" altLang="ko-KR" sz="2000" dirty="0">
                 <a:solidFill>
                   <a:srgbClr val="FF0000"/>
                 </a:solidFill>
@@ -7353,7 +7307,7 @@
               </a:lnSpc>
             </a:pPr>
             <a:r>
-              <a:rPr lang="ko-KR" altLang="en-US" sz="4400" i="1" dirty="0" smtClean="0">
+              <a:rPr lang="ko-KR" altLang="en-US" sz="4400" i="1" dirty="0">
                 <a:solidFill>
                   <a:schemeClr val="accent6">
                     <a:lumMod val="75000"/>
@@ -7372,11 +7326,11 @@
               </a:lnSpc>
             </a:pPr>
             <a:r>
-              <a:rPr lang="ko-KR" altLang="en-US" sz="1400" dirty="0" smtClean="0"/>
+              <a:rPr lang="ko-KR" altLang="en-US" sz="1400" dirty="0"/>
               <a:t>오늘의 일과는</a:t>
             </a:r>
             <a:r>
-              <a:rPr lang="en-US" altLang="ko-KR" sz="1400" dirty="0" smtClean="0"/>
+              <a:rPr lang="en-US" altLang="ko-KR" sz="1400" dirty="0"/>
               <a:t>?</a:t>
             </a:r>
             <a:endParaRPr lang="ko-KR" altLang="en-US" sz="4400" dirty="0"/>
@@ -7393,13 +7347,6 @@
   <p:clrMapOvr>
     <a:masterClrMapping/>
   </p:clrMapOvr>
-  <p:timing>
-    <p:tnLst>
-      <p:par>
-        <p:cTn id="1" dur="indefinite" restart="never" nodeType="tmRoot"/>
-      </p:par>
-    </p:tnLst>
-  </p:timing>
 </p:sld>
 </file>
 
@@ -7425,7 +7372,7 @@
           <p:cNvPr id="4" name="직사각형 3">
             <a:extLst>
               <a:ext uri="{FF2B5EF4-FFF2-40B4-BE49-F238E27FC236}">
-                <a16:creationId xmlns="" xmlns:a16="http://schemas.microsoft.com/office/drawing/2014/main" id="{982279FE-D2EA-4605-8677-6EF33C4B76F2}"/>
+                <a16:creationId xmlns:a16="http://schemas.microsoft.com/office/drawing/2014/main" id="{982279FE-D2EA-4605-8677-6EF33C4B76F2}"/>
               </a:ext>
             </a:extLst>
           </p:cNvPr>
@@ -7453,7 +7400,7 @@
               </a:lnSpc>
             </a:pPr>
             <a:r>
-              <a:rPr lang="ko-KR" altLang="en-US" sz="1200" b="1" dirty="0" smtClean="0">
+              <a:rPr lang="ko-KR" altLang="en-US" sz="1200" b="1" dirty="0">
                 <a:solidFill>
                   <a:prstClr val="black">
                     <a:lumMod val="65000"/>
@@ -7463,7 +7410,7 @@
               </a:rPr>
               <a:t>더 이상 손으로 기록 하지 말아요 </a:t>
             </a:r>
-            <a:endParaRPr lang="en-US" altLang="ko-KR" sz="1200" b="1" dirty="0" smtClean="0">
+            <a:endParaRPr lang="en-US" altLang="ko-KR" sz="1200" b="1" dirty="0">
               <a:solidFill>
                 <a:prstClr val="black">
                   <a:lumMod val="65000"/>
@@ -7479,26 +7426,13 @@
               </a:lnSpc>
             </a:pPr>
             <a:r>
-              <a:rPr lang="ko-KR" altLang="en-US" sz="900" dirty="0" smtClean="0">
+              <a:rPr lang="ko-KR" altLang="en-US" sz="900" dirty="0">
                 <a:solidFill>
                   <a:srgbClr val="FF0000"/>
                 </a:solidFill>
               </a:rPr>
-              <a:t>인터넷으로 작성하는 장부 종이 </a:t>
+              <a:t>인터넷으로 작성하는 장부 종이 아끼고 몸 편하고 일석이조 </a:t>
             </a:r>
-            <a:r>
-              <a:rPr lang="ko-KR" altLang="en-US" sz="900" dirty="0" smtClean="0">
-                <a:solidFill>
-                  <a:srgbClr val="FF0000"/>
-                </a:solidFill>
-              </a:rPr>
-              <a:t>아끼고 몸 편하고 일석이조 </a:t>
-            </a:r>
-            <a:endParaRPr lang="ko-KR" altLang="en-US" sz="900" dirty="0">
-              <a:solidFill>
-                <a:srgbClr val="FF0000"/>
-              </a:solidFill>
-            </a:endParaRPr>
           </a:p>
         </p:txBody>
       </p:sp>
@@ -7675,7 +7609,7 @@
           <p:cNvPr id="8" name="직사각형 7">
             <a:extLst>
               <a:ext uri="{FF2B5EF4-FFF2-40B4-BE49-F238E27FC236}">
-                <a16:creationId xmlns="" xmlns:a16="http://schemas.microsoft.com/office/drawing/2014/main" id="{982279FE-D2EA-4605-8677-6EF33C4B76F2}"/>
+                <a16:creationId xmlns:a16="http://schemas.microsoft.com/office/drawing/2014/main" id="{982279FE-D2EA-4605-8677-6EF33C4B76F2}"/>
               </a:ext>
             </a:extLst>
           </p:cNvPr>
@@ -7703,7 +7637,7 @@
               </a:lnSpc>
             </a:pPr>
             <a:r>
-              <a:rPr lang="ko-KR" altLang="en-US" sz="1200" b="1" dirty="0" smtClean="0">
+              <a:rPr lang="ko-KR" altLang="en-US" sz="1200" b="1" dirty="0">
                 <a:solidFill>
                   <a:prstClr val="black">
                     <a:lumMod val="65000"/>
@@ -7711,20 +7645,9 @@
                   </a:prstClr>
                 </a:solidFill>
               </a:rPr>
-              <a:t>물건이 사라져도 </a:t>
+              <a:t>물건이 사라져도 걱정 없이</a:t>
             </a:r>
-            <a:r>
-              <a:rPr lang="ko-KR" altLang="en-US" sz="1200" b="1" dirty="0" smtClean="0">
-                <a:solidFill>
-                  <a:prstClr val="black">
-                    <a:lumMod val="65000"/>
-                    <a:lumOff val="35000"/>
-                  </a:prstClr>
-                </a:solidFill>
-              </a:rPr>
-              <a:t>걱정 없이</a:t>
-            </a:r>
-            <a:endParaRPr lang="en-US" altLang="ko-KR" sz="1200" b="1" dirty="0" smtClean="0">
+            <a:endParaRPr lang="en-US" altLang="ko-KR" sz="1200" b="1" dirty="0">
               <a:solidFill>
                 <a:prstClr val="black">
                   <a:lumMod val="65000"/>
@@ -7740,18 +7663,13 @@
               </a:lnSpc>
             </a:pPr>
             <a:r>
-              <a:rPr lang="ko-KR" altLang="en-US" sz="900" dirty="0" smtClean="0">
+              <a:rPr lang="ko-KR" altLang="en-US" sz="900" dirty="0">
                 <a:solidFill>
                   <a:srgbClr val="FF0000"/>
                 </a:solidFill>
               </a:rPr>
               <a:t>사라진 물건 찾으러 돌아다니지 말고 기록으로 누가 가져갔는지 확인하자 </a:t>
             </a:r>
-            <a:endParaRPr lang="ko-KR" altLang="en-US" sz="900" dirty="0">
-              <a:solidFill>
-                <a:srgbClr val="FF0000"/>
-              </a:solidFill>
-            </a:endParaRPr>
           </a:p>
         </p:txBody>
       </p:sp>
@@ -7760,7 +7678,7 @@
           <p:cNvPr id="9" name="직사각형 8">
             <a:extLst>
               <a:ext uri="{FF2B5EF4-FFF2-40B4-BE49-F238E27FC236}">
-                <a16:creationId xmlns="" xmlns:a16="http://schemas.microsoft.com/office/drawing/2014/main" id="{982279FE-D2EA-4605-8677-6EF33C4B76F2}"/>
+                <a16:creationId xmlns:a16="http://schemas.microsoft.com/office/drawing/2014/main" id="{982279FE-D2EA-4605-8677-6EF33C4B76F2}"/>
               </a:ext>
             </a:extLst>
           </p:cNvPr>
@@ -7796,21 +7714,10 @@
                   </a:prstClr>
                 </a:solidFill>
               </a:rPr>
-              <a:t>제</a:t>
+              <a:t>제품상태 관리 손 </a:t>
             </a:r>
             <a:r>
-              <a:rPr lang="ko-KR" altLang="en-US" sz="1200" b="1" dirty="0" smtClean="0">
-                <a:solidFill>
-                  <a:prstClr val="black">
-                    <a:lumMod val="65000"/>
-                    <a:lumOff val="35000"/>
-                  </a:prstClr>
-                </a:solidFill>
-              </a:rPr>
-              <a:t>품상태 관리 손 </a:t>
-            </a:r>
-            <a:r>
-              <a:rPr lang="ko-KR" altLang="en-US" sz="1200" b="1" dirty="0" err="1" smtClean="0">
+              <a:rPr lang="ko-KR" altLang="en-US" sz="1200" b="1" dirty="0" err="1">
                 <a:solidFill>
                   <a:prstClr val="black">
                     <a:lumMod val="65000"/>
@@ -7821,7 +7728,7 @@
               <a:t>쉅게</a:t>
             </a:r>
             <a:r>
-              <a:rPr lang="ko-KR" altLang="en-US" sz="1200" b="1" dirty="0" smtClean="0">
+              <a:rPr lang="ko-KR" altLang="en-US" sz="1200" b="1" dirty="0">
                 <a:solidFill>
                   <a:prstClr val="black">
                     <a:lumMod val="65000"/>
@@ -7831,7 +7738,7 @@
               </a:rPr>
               <a:t> </a:t>
             </a:r>
-            <a:endParaRPr lang="en-US" altLang="ko-KR" sz="1200" b="1" dirty="0" smtClean="0">
+            <a:endParaRPr lang="en-US" altLang="ko-KR" sz="1200" b="1" dirty="0">
               <a:solidFill>
                 <a:prstClr val="black">
                   <a:lumMod val="65000"/>
@@ -7852,37 +7759,8 @@
                   <a:srgbClr val="FF0000"/>
                 </a:solidFill>
               </a:rPr>
-              <a:t>제</a:t>
+              <a:t>제품의 일렬번호 기입 등 기존의 엑셀과는 다른 설계</a:t>
             </a:r>
-            <a:r>
-              <a:rPr lang="ko-KR" altLang="en-US" sz="900" dirty="0" smtClean="0">
-                <a:solidFill>
-                  <a:srgbClr val="FF0000"/>
-                </a:solidFill>
-              </a:rPr>
-              <a:t>품의 일렬번호 기입 등 기존의 </a:t>
-            </a:r>
-            <a:r>
-              <a:rPr lang="ko-KR" altLang="en-US" sz="900" dirty="0">
-                <a:solidFill>
-                  <a:srgbClr val="FF0000"/>
-                </a:solidFill>
-              </a:rPr>
-              <a:t>엑</a:t>
-            </a:r>
-            <a:r>
-              <a:rPr lang="ko-KR" altLang="en-US" sz="900" dirty="0" smtClean="0">
-                <a:solidFill>
-                  <a:srgbClr val="FF0000"/>
-                </a:solidFill>
-              </a:rPr>
-              <a:t>셀과는 다른 설계</a:t>
-            </a:r>
-            <a:endParaRPr lang="ko-KR" altLang="en-US" sz="900" dirty="0">
-              <a:solidFill>
-                <a:srgbClr val="FF0000"/>
-              </a:solidFill>
-            </a:endParaRPr>
           </a:p>
         </p:txBody>
       </p:sp>
@@ -7913,7 +7791,7 @@
               </a:lnSpc>
             </a:pPr>
             <a:r>
-              <a:rPr lang="en-US" altLang="ko-KR" sz="3600" b="1" i="1" dirty="0" err="1" smtClean="0">
+              <a:rPr lang="en-US" altLang="ko-KR" sz="3600" b="1" i="1" dirty="0" err="1">
                 <a:solidFill>
                   <a:schemeClr val="accent6">
                     <a:lumMod val="75000"/>
@@ -7925,7 +7803,7 @@
               <a:t>Iventory</a:t>
             </a:r>
             <a:r>
-              <a:rPr lang="en-US" altLang="ko-KR" sz="3600" b="1" i="1" dirty="0" smtClean="0">
+              <a:rPr lang="en-US" altLang="ko-KR" sz="3600" b="1" i="1" dirty="0">
                 <a:solidFill>
                   <a:schemeClr val="accent6">
                     <a:lumMod val="75000"/>
@@ -7936,15 +7814,6 @@
               </a:rPr>
               <a:t> WEB(SPA)</a:t>
             </a:r>
-            <a:endParaRPr lang="en-US" altLang="ko-KR" sz="3600" b="1" i="1" dirty="0">
-              <a:solidFill>
-                <a:schemeClr val="accent6">
-                  <a:lumMod val="75000"/>
-                </a:schemeClr>
-              </a:solidFill>
-              <a:latin typeface="야놀자 야체 B" panose="02020603020101020101" pitchFamily="18" charset="-127"/>
-              <a:ea typeface="야놀자 야체 B" panose="02020603020101020101" pitchFamily="18" charset="-127"/>
-            </a:endParaRPr>
           </a:p>
           <a:p>
             <a:pPr algn="ctr">
@@ -7953,7 +7822,7 @@
               </a:lnSpc>
             </a:pPr>
             <a:r>
-              <a:rPr lang="en-US" altLang="ko-KR" sz="1000" dirty="0" smtClean="0">
+              <a:rPr lang="en-US" altLang="ko-KR" sz="1000" dirty="0">
                 <a:solidFill>
                   <a:srgbClr val="B1AAB2"/>
                 </a:solidFill>
@@ -7961,7 +7830,7 @@
               <a:t>Enjoy </a:t>
             </a:r>
             <a:r>
-              <a:rPr lang="ko-KR" altLang="en-US" sz="1000" dirty="0" smtClean="0">
+              <a:rPr lang="ko-KR" altLang="en-US" sz="1000" dirty="0">
                 <a:solidFill>
                   <a:srgbClr val="B1AAB2"/>
                 </a:solidFill>
@@ -17495,18 +17364,13 @@
                 </a:lnSpc>
               </a:pPr>
               <a:r>
-                <a:rPr lang="en-US" altLang="ko-KR" sz="1400" b="1" dirty="0" smtClean="0">
+                <a:rPr lang="en-US" altLang="ko-KR" sz="1400" b="1" dirty="0">
                   <a:solidFill>
                     <a:prstClr val="white"/>
                   </a:solidFill>
                 </a:rPr>
                 <a:t>Storage</a:t>
               </a:r>
-              <a:endParaRPr lang="en-US" altLang="ko-KR" sz="1400" b="1" dirty="0">
-                <a:solidFill>
-                  <a:prstClr val="white"/>
-                </a:solidFill>
-              </a:endParaRPr>
             </a:p>
           </p:txBody>
         </p:sp>
@@ -18691,18 +18555,13 @@
                 </a:lnSpc>
               </a:pPr>
               <a:r>
-                <a:rPr lang="en-US" altLang="ko-KR" sz="1400" b="1" dirty="0" smtClean="0">
+                <a:rPr lang="en-US" altLang="ko-KR" sz="1400" b="1" dirty="0">
                   <a:solidFill>
                     <a:prstClr val="white"/>
                   </a:solidFill>
                 </a:rPr>
                 <a:t>History</a:t>
               </a:r>
-              <a:endParaRPr lang="en-US" altLang="ko-KR" sz="1400" b="1" dirty="0">
-                <a:solidFill>
-                  <a:prstClr val="white"/>
-                </a:solidFill>
-              </a:endParaRPr>
             </a:p>
           </p:txBody>
         </p:sp>
@@ -19887,18 +19746,13 @@
                 </a:lnSpc>
               </a:pPr>
               <a:r>
-                <a:rPr lang="en-US" altLang="ko-KR" sz="1400" b="1" dirty="0" smtClean="0">
+                <a:rPr lang="en-US" altLang="ko-KR" sz="1400" b="1" dirty="0">
                   <a:solidFill>
                     <a:prstClr val="white"/>
                   </a:solidFill>
                 </a:rPr>
                 <a:t>Repair</a:t>
               </a:r>
-              <a:endParaRPr lang="en-US" altLang="ko-KR" sz="1400" b="1" dirty="0">
-                <a:solidFill>
-                  <a:prstClr val="white"/>
-                </a:solidFill>
-              </a:endParaRPr>
             </a:p>
           </p:txBody>
         </p:sp>
@@ -21027,13 +20881,6 @@
   <p:clrMapOvr>
     <a:masterClrMapping/>
   </p:clrMapOvr>
-  <p:timing>
-    <p:tnLst>
-      <p:par>
-        <p:cTn id="1" dur="indefinite" restart="never" nodeType="tmRoot"/>
-      </p:par>
-    </p:tnLst>
-  </p:timing>
 </p:sld>
 </file>
 
@@ -21145,7 +20992,7 @@
               </a:lnSpc>
             </a:pPr>
             <a:r>
-              <a:rPr lang="en-US" altLang="ko-KR" sz="2800" i="1" dirty="0" smtClean="0">
+              <a:rPr lang="en-US" altLang="ko-KR" sz="2800" i="1" dirty="0">
                 <a:solidFill>
                   <a:schemeClr val="accent6">
                     <a:lumMod val="75000"/>
@@ -21153,18 +21000,7 @@
                 </a:solidFill>
                 <a:ea typeface="야놀자 야체 R" panose="02020603020101020101" pitchFamily="18" charset="-127"/>
               </a:rPr>
-              <a:t>/   : M</a:t>
-            </a:r>
-            <a:r>
-              <a:rPr lang="en-US" altLang="ko-KR" sz="2800" i="1" dirty="0" smtClean="0">
-                <a:solidFill>
-                  <a:schemeClr val="accent6">
-                    <a:lumMod val="75000"/>
-                  </a:schemeClr>
-                </a:solidFill>
-                <a:ea typeface="야놀자 야체 R" panose="02020603020101020101" pitchFamily="18" charset="-127"/>
-              </a:rPr>
-              <a:t>ain Tab</a:t>
+              <a:t>/   : Main Tab</a:t>
             </a:r>
             <a:endParaRPr lang="ko-KR" altLang="en-US" sz="2800" dirty="0">
               <a:solidFill>
@@ -21226,20 +21062,12 @@
           <a:p>
             <a:pPr algn="ctr"/>
             <a:r>
-              <a:rPr lang="ko-KR" altLang="en-US" dirty="0" smtClean="0"/>
+              <a:rPr lang="ko-KR" altLang="en-US" dirty="0"/>
               <a:t>재고 </a:t>
             </a:r>
             <a:r>
-              <a:rPr lang="ko-KR" altLang="en-US" smtClean="0"/>
-              <a:t>추가 검</a:t>
-            </a:r>
-            <a:r>
               <a:rPr lang="ko-KR" altLang="en-US"/>
-              <a:t>색</a:t>
-            </a:r>
-            <a:r>
-              <a:rPr lang="ko-KR" altLang="en-US" smtClean="0"/>
-              <a:t> </a:t>
+              <a:t>추가 검색 </a:t>
             </a:r>
             <a:endParaRPr lang="ko-KR" altLang="en-US" dirty="0"/>
           </a:p>
@@ -21295,10 +21123,9 @@
           <a:p>
             <a:pPr algn="ctr"/>
             <a:r>
-              <a:rPr lang="ko-KR" altLang="en-US" dirty="0" smtClean="0"/>
+              <a:rPr lang="ko-KR" altLang="en-US" dirty="0"/>
               <a:t>상품 정보 </a:t>
             </a:r>
-            <a:endParaRPr lang="ko-KR" altLang="en-US" dirty="0"/>
           </a:p>
         </p:txBody>
       </p:sp>
@@ -21348,11 +21175,11 @@
           <a:p>
             <a:pPr algn="ctr"/>
             <a:r>
-              <a:rPr lang="ko-KR" altLang="en-US" dirty="0" smtClean="0"/>
+              <a:rPr lang="ko-KR" altLang="en-US" dirty="0"/>
               <a:t>클릭</a:t>
             </a:r>
             <a:r>
-              <a:rPr lang="en-US" altLang="ko-KR" dirty="0" smtClean="0"/>
+              <a:rPr lang="en-US" altLang="ko-KR" dirty="0"/>
               <a:t>!</a:t>
             </a:r>
             <a:endParaRPr lang="ko-KR" altLang="en-US" dirty="0"/>
@@ -21409,10 +21236,9 @@
           <a:p>
             <a:pPr algn="ctr"/>
             <a:r>
-              <a:rPr lang="ko-KR" altLang="en-US" sz="1400" dirty="0" smtClean="0"/>
+              <a:rPr lang="ko-KR" altLang="en-US" sz="1400" dirty="0"/>
               <a:t>상품 이름 개수 종류 등록날짜 </a:t>
             </a:r>
-            <a:endParaRPr lang="ko-KR" altLang="en-US" sz="1400" dirty="0"/>
           </a:p>
         </p:txBody>
       </p:sp>
@@ -21459,10 +21285,9 @@
           <a:p>
             <a:pPr algn="ctr"/>
             <a:r>
-              <a:rPr lang="ko-KR" altLang="en-US" dirty="0" smtClean="0"/>
+              <a:rPr lang="ko-KR" altLang="en-US" dirty="0"/>
               <a:t>마우스 오버</a:t>
             </a:r>
-            <a:endParaRPr lang="ko-KR" altLang="en-US" dirty="0"/>
           </a:p>
         </p:txBody>
       </p:sp>
@@ -21476,13 +21301,6 @@
   <p:clrMapOvr>
     <a:masterClrMapping/>
   </p:clrMapOvr>
-  <p:timing>
-    <p:tnLst>
-      <p:par>
-        <p:cTn id="1" dur="indefinite" restart="never" nodeType="tmRoot"/>
-      </p:par>
-    </p:tnLst>
-  </p:timing>
 </p:sld>
 </file>
 
@@ -21628,10 +21446,9 @@
           <a:p>
             <a:pPr algn="ctr"/>
             <a:r>
-              <a:rPr lang="ko-KR" altLang="en-US" smtClean="0"/>
+              <a:rPr lang="ko-KR" altLang="en-US"/>
               <a:t>상품 정보</a:t>
             </a:r>
-            <a:endParaRPr lang="ko-KR" altLang="en-US"/>
           </a:p>
         </p:txBody>
       </p:sp>
@@ -21678,23 +21495,23 @@
           <a:p>
             <a:pPr algn="ctr"/>
             <a:r>
-              <a:rPr lang="ko-KR" altLang="en-US" dirty="0" smtClean="0"/>
+              <a:rPr lang="ko-KR" altLang="en-US" dirty="0"/>
               <a:t>상품 추가 </a:t>
             </a:r>
-            <a:endParaRPr lang="en-US" altLang="ko-KR" dirty="0" smtClean="0"/>
+            <a:endParaRPr lang="en-US" altLang="ko-KR" dirty="0"/>
           </a:p>
           <a:p>
             <a:pPr algn="ctr"/>
             <a:r>
-              <a:rPr lang="en-US" altLang="ko-KR" dirty="0" smtClean="0"/>
+              <a:rPr lang="en-US" altLang="ko-KR" dirty="0"/>
               <a:t>(</a:t>
             </a:r>
             <a:r>
-              <a:rPr lang="ko-KR" altLang="en-US" dirty="0" smtClean="0"/>
+              <a:rPr lang="ko-KR" altLang="en-US" dirty="0"/>
               <a:t>이름 개수 종류 날짜 입력</a:t>
             </a:r>
             <a:r>
-              <a:rPr lang="en-US" altLang="ko-KR" dirty="0" smtClean="0"/>
+              <a:rPr lang="en-US" altLang="ko-KR" dirty="0"/>
               <a:t>)</a:t>
             </a:r>
             <a:endParaRPr lang="ko-KR" altLang="en-US" dirty="0"/>
@@ -21711,13 +21528,6 @@
   <p:clrMapOvr>
     <a:masterClrMapping/>
   </p:clrMapOvr>
-  <p:timing>
-    <p:tnLst>
-      <p:par>
-        <p:cTn id="1" dur="indefinite" restart="never" nodeType="tmRoot"/>
-      </p:par>
-    </p:tnLst>
-  </p:timing>
 </p:sld>
 </file>
 
@@ -21765,7 +21575,7 @@
               </a:lnSpc>
             </a:pPr>
             <a:r>
-              <a:rPr lang="en-US" altLang="ko-KR" sz="2800" i="1" dirty="0" smtClean="0">
+              <a:rPr lang="en-US" altLang="ko-KR" sz="2800" i="1" dirty="0">
                 <a:solidFill>
                   <a:schemeClr val="accent6">
                     <a:lumMod val="75000"/>
@@ -21776,7 +21586,7 @@
               <a:t>/ Repair  : </a:t>
             </a:r>
             <a:r>
-              <a:rPr lang="en-US" altLang="ko-KR" sz="2800" i="1" dirty="0" err="1" smtClean="0">
+              <a:rPr lang="en-US" altLang="ko-KR" sz="2800" i="1" dirty="0" err="1">
                 <a:solidFill>
                   <a:schemeClr val="accent6">
                     <a:lumMod val="75000"/>
@@ -21880,18 +21690,9 @@
           <a:p>
             <a:pPr algn="ctr"/>
             <a:r>
-              <a:rPr lang="ko-KR" altLang="en-US" dirty="0" smtClean="0"/>
-              <a:t>각각의 상품 </a:t>
+              <a:rPr lang="ko-KR" altLang="en-US" dirty="0"/>
+              <a:t>각각의 상품 점검가능  </a:t>
             </a:r>
-            <a:r>
-              <a:rPr lang="ko-KR" altLang="en-US" dirty="0"/>
-              <a:t>점</a:t>
-            </a:r>
-            <a:r>
-              <a:rPr lang="ko-KR" altLang="en-US" dirty="0" smtClean="0"/>
-              <a:t>검가능  </a:t>
-            </a:r>
-            <a:endParaRPr lang="ko-KR" altLang="en-US" dirty="0"/>
           </a:p>
         </p:txBody>
       </p:sp>
@@ -21938,18 +21739,17 @@
           <a:p>
             <a:pPr algn="ctr"/>
             <a:r>
-              <a:rPr lang="ko-KR" altLang="en-US" dirty="0" smtClean="0"/>
+              <a:rPr lang="ko-KR" altLang="en-US" dirty="0"/>
               <a:t>추가한 상품의 일렬번호 등록 </a:t>
             </a:r>
             <a:r>
-              <a:rPr lang="en-US" altLang="ko-KR" dirty="0" smtClean="0"/>
+              <a:rPr lang="en-US" altLang="ko-KR" dirty="0"/>
               <a:t>/ </a:t>
             </a:r>
             <a:r>
-              <a:rPr lang="ko-KR" altLang="en-US" dirty="0" smtClean="0"/>
+              <a:rPr lang="ko-KR" altLang="en-US" dirty="0"/>
               <a:t>삭제</a:t>
             </a:r>
-            <a:endParaRPr lang="ko-KR" altLang="en-US" dirty="0"/>
           </a:p>
         </p:txBody>
       </p:sp>
@@ -21963,13 +21763,6 @@
   <p:clrMapOvr>
     <a:masterClrMapping/>
   </p:clrMapOvr>
-  <p:timing>
-    <p:tnLst>
-      <p:par>
-        <p:cTn id="1" dur="indefinite" restart="never" nodeType="tmRoot"/>
-      </p:par>
-    </p:tnLst>
-  </p:timing>
 </p:sld>
 </file>
 
@@ -22017,7 +21810,7 @@
               </a:lnSpc>
             </a:pPr>
             <a:r>
-              <a:rPr lang="en-US" altLang="ko-KR" sz="2800" i="1" dirty="0" smtClean="0">
+              <a:rPr lang="en-US" altLang="ko-KR" sz="2800" i="1" dirty="0">
                 <a:solidFill>
                   <a:schemeClr val="accent6">
                     <a:lumMod val="75000"/>
@@ -22028,7 +21821,7 @@
               <a:t>/ History  : </a:t>
             </a:r>
             <a:r>
-              <a:rPr lang="en-US" altLang="ko-KR" sz="2800" i="1" dirty="0" err="1" smtClean="0">
+              <a:rPr lang="en-US" altLang="ko-KR" sz="2800" i="1" dirty="0" err="1">
                 <a:solidFill>
                   <a:schemeClr val="accent6">
                     <a:lumMod val="75000"/>
@@ -22132,10 +21925,9 @@
           <a:p>
             <a:pPr algn="ctr"/>
             <a:r>
-              <a:rPr lang="ko-KR" altLang="en-US" dirty="0" smtClean="0"/>
+              <a:rPr lang="ko-KR" altLang="en-US" dirty="0"/>
               <a:t>추가한 상품의 기록 확인 가능  </a:t>
             </a:r>
-            <a:endParaRPr lang="ko-KR" altLang="en-US" dirty="0"/>
           </a:p>
         </p:txBody>
       </p:sp>
@@ -22149,13 +21941,6 @@
   <p:clrMapOvr>
     <a:masterClrMapping/>
   </p:clrMapOvr>
-  <p:timing>
-    <p:tnLst>
-      <p:par>
-        <p:cTn id="1" dur="indefinite" restart="never" nodeType="tmRoot"/>
-      </p:par>
-    </p:tnLst>
-  </p:timing>
 </p:sld>
 </file>
 
@@ -22233,11 +22018,6 @@
               </a:rPr>
               <a:t>/</a:t>
             </a:r>
-            <a:endParaRPr lang="en-US" altLang="ko-KR" sz="1400" b="1" dirty="0">
-              <a:solidFill>
-                <a:prstClr val="white"/>
-              </a:solidFill>
-            </a:endParaRPr>
           </a:p>
         </p:txBody>
       </p:sp>
@@ -28267,7 +28047,7 @@
           <p:cNvPr id="14" name="직사각형 13">
             <a:extLst>
               <a:ext uri="{FF2B5EF4-FFF2-40B4-BE49-F238E27FC236}">
-                <a16:creationId xmlns:a16="http://schemas.microsoft.com/office/drawing/2014/main" xmlns="" id="{3FA00699-5178-465A-9F3F-130CF1431F70}"/>
+                <a16:creationId xmlns:a16="http://schemas.microsoft.com/office/drawing/2014/main" id="{3FA00699-5178-465A-9F3F-130CF1431F70}"/>
               </a:ext>
             </a:extLst>
           </p:cNvPr>
@@ -28295,7 +28075,7 @@
               </a:lnSpc>
             </a:pPr>
             <a:r>
-              <a:rPr lang="ko-KR" altLang="en-US" sz="1400" b="1" dirty="0" smtClean="0">
+              <a:rPr lang="ko-KR" altLang="en-US" sz="1400" b="1" dirty="0">
                 <a:solidFill>
                   <a:srgbClr val="44546A">
                     <a:lumMod val="75000"/>
@@ -28311,7 +28091,7 @@
                 <a:spcPct val="150000"/>
               </a:lnSpc>
             </a:pPr>
-            <a:endParaRPr lang="en-US" altLang="ko-KR" sz="900" dirty="0" smtClean="0">
+            <a:endParaRPr lang="en-US" altLang="ko-KR" sz="900" dirty="0">
               <a:solidFill>
                 <a:prstClr val="black">
                   <a:lumMod val="65000"/>
@@ -28372,18 +28152,13 @@
               </a:lnSpc>
             </a:pPr>
             <a:r>
-              <a:rPr lang="en-US" altLang="ko-KR" sz="1400" b="1" dirty="0" smtClean="0">
+              <a:rPr lang="en-US" altLang="ko-KR" sz="1400" b="1" dirty="0">
                 <a:solidFill>
                   <a:prstClr val="white"/>
                 </a:solidFill>
               </a:rPr>
               <a:t>/repair</a:t>
             </a:r>
-            <a:endParaRPr lang="en-US" altLang="ko-KR" sz="1400" b="1" dirty="0">
-              <a:solidFill>
-                <a:prstClr val="white"/>
-              </a:solidFill>
-            </a:endParaRPr>
           </a:p>
         </p:txBody>
       </p:sp>
@@ -28434,18 +28209,13 @@
               </a:lnSpc>
             </a:pPr>
             <a:r>
-              <a:rPr lang="en-US" altLang="ko-KR" sz="1400" b="1" dirty="0" smtClean="0">
+              <a:rPr lang="en-US" altLang="ko-KR" sz="1400" b="1" dirty="0">
                 <a:solidFill>
                   <a:prstClr val="white"/>
                 </a:solidFill>
               </a:rPr>
               <a:t>History</a:t>
             </a:r>
-            <a:endParaRPr lang="en-US" altLang="ko-KR" sz="1400" b="1" dirty="0">
-              <a:solidFill>
-                <a:prstClr val="white"/>
-              </a:solidFill>
-            </a:endParaRPr>
           </a:p>
         </p:txBody>
       </p:sp>
@@ -28499,18 +28269,13 @@
               </a:lnSpc>
             </a:pPr>
             <a:r>
-              <a:rPr lang="en-US" altLang="ko-KR" sz="1400" b="1" dirty="0" smtClean="0">
+              <a:rPr lang="en-US" altLang="ko-KR" sz="1400" b="1" dirty="0">
                 <a:solidFill>
                   <a:prstClr val="white"/>
                 </a:solidFill>
               </a:rPr>
               <a:t>???</a:t>
             </a:r>
-            <a:endParaRPr lang="en-US" altLang="ko-KR" sz="1400" b="1" dirty="0">
-              <a:solidFill>
-                <a:prstClr val="white"/>
-              </a:solidFill>
-            </a:endParaRPr>
           </a:p>
         </p:txBody>
       </p:sp>
@@ -28564,18 +28329,13 @@
               </a:lnSpc>
             </a:pPr>
             <a:r>
-              <a:rPr lang="en-US" altLang="ko-KR" sz="1400" b="1" dirty="0" smtClean="0">
+              <a:rPr lang="en-US" altLang="ko-KR" sz="1400" b="1" dirty="0">
                 <a:solidFill>
                   <a:prstClr val="white"/>
                 </a:solidFill>
               </a:rPr>
               <a:t>???</a:t>
             </a:r>
-            <a:endParaRPr lang="en-US" altLang="ko-KR" sz="1400" b="1" dirty="0">
-              <a:solidFill>
-                <a:prstClr val="white"/>
-              </a:solidFill>
-            </a:endParaRPr>
           </a:p>
         </p:txBody>
       </p:sp>
@@ -28830,7 +28590,7 @@
           <p:cNvPr id="25" name="직사각형 24">
             <a:extLst>
               <a:ext uri="{FF2B5EF4-FFF2-40B4-BE49-F238E27FC236}">
-                <a16:creationId xmlns:a16="http://schemas.microsoft.com/office/drawing/2014/main" xmlns="" id="{3FA00699-5178-465A-9F3F-130CF1431F70}"/>
+                <a16:creationId xmlns:a16="http://schemas.microsoft.com/office/drawing/2014/main" id="{3FA00699-5178-465A-9F3F-130CF1431F70}"/>
               </a:ext>
             </a:extLst>
           </p:cNvPr>
@@ -28858,32 +28618,15 @@
               </a:lnSpc>
             </a:pPr>
             <a:r>
-              <a:rPr lang="en-US" altLang="ko-KR" sz="1400" b="1" dirty="0" smtClean="0">
+              <a:rPr lang="en-US" altLang="ko-KR" sz="1400" b="1" dirty="0">
                 <a:solidFill>
                   <a:srgbClr val="44546A">
                     <a:lumMod val="75000"/>
                   </a:srgbClr>
                 </a:solidFill>
               </a:rPr>
-              <a:t>NEW</a:t>
+              <a:t>NEW CONTENTS</a:t>
             </a:r>
-            <a:r>
-              <a:rPr lang="en-US" altLang="ko-KR" sz="1400" b="1" dirty="0" smtClean="0">
-                <a:solidFill>
-                  <a:srgbClr val="44546A">
-                    <a:lumMod val="75000"/>
-                  </a:srgbClr>
-                </a:solidFill>
-              </a:rPr>
-              <a:t> CONTENTS</a:t>
-            </a:r>
-            <a:endParaRPr lang="en-US" altLang="ko-KR" sz="1400" b="1" dirty="0">
-              <a:solidFill>
-                <a:srgbClr val="44546A">
-                  <a:lumMod val="75000"/>
-                </a:srgbClr>
-              </a:solidFill>
-            </a:endParaRPr>
           </a:p>
         </p:txBody>
       </p:sp>
@@ -28892,7 +28635,7 @@
           <p:cNvPr id="26" name="직사각형 25">
             <a:extLst>
               <a:ext uri="{FF2B5EF4-FFF2-40B4-BE49-F238E27FC236}">
-                <a16:creationId xmlns:a16="http://schemas.microsoft.com/office/drawing/2014/main" xmlns="" id="{3FA00699-5178-465A-9F3F-130CF1431F70}"/>
+                <a16:creationId xmlns:a16="http://schemas.microsoft.com/office/drawing/2014/main" id="{3FA00699-5178-465A-9F3F-130CF1431F70}"/>
               </a:ext>
             </a:extLst>
           </p:cNvPr>
@@ -28920,7 +28663,7 @@
               </a:lnSpc>
             </a:pPr>
             <a:r>
-              <a:rPr lang="ko-KR" altLang="en-US" sz="1400" b="1" dirty="0" smtClean="0">
+              <a:rPr lang="ko-KR" altLang="en-US" sz="1400" b="1" dirty="0">
                 <a:solidFill>
                   <a:srgbClr val="44546A">
                     <a:lumMod val="75000"/>
@@ -28944,7 +28687,7 @@
               </a:lnSpc>
             </a:pPr>
             <a:r>
-              <a:rPr lang="ko-KR" altLang="en-US" sz="1200" dirty="0" smtClean="0">
+              <a:rPr lang="ko-KR" altLang="en-US" sz="1200" dirty="0">
                 <a:solidFill>
                   <a:prstClr val="black">
                     <a:lumMod val="65000"/>
@@ -28952,18 +28695,7 @@
                   </a:prstClr>
                 </a:solidFill>
               </a:rPr>
-              <a:t>재고</a:t>
-            </a:r>
-            <a:r>
-              <a:rPr lang="ko-KR" altLang="en-US" sz="1200" dirty="0" smtClean="0">
-                <a:solidFill>
-                  <a:prstClr val="black">
-                    <a:lumMod val="65000"/>
-                    <a:lumOff val="35000"/>
-                  </a:prstClr>
-                </a:solidFill>
-              </a:rPr>
-              <a:t> 내용 수정가능 </a:t>
+              <a:t>재고 내용 수정가능 </a:t>
             </a:r>
             <a:endParaRPr lang="en-US" altLang="ko-KR" sz="1200" dirty="0">
               <a:solidFill>
@@ -28981,7 +28713,7 @@
           <p:cNvPr id="27" name="직사각형 26">
             <a:extLst>
               <a:ext uri="{FF2B5EF4-FFF2-40B4-BE49-F238E27FC236}">
-                <a16:creationId xmlns:a16="http://schemas.microsoft.com/office/drawing/2014/main" xmlns="" id="{3FA00699-5178-465A-9F3F-130CF1431F70}"/>
+                <a16:creationId xmlns:a16="http://schemas.microsoft.com/office/drawing/2014/main" id="{3FA00699-5178-465A-9F3F-130CF1431F70}"/>
               </a:ext>
             </a:extLst>
           </p:cNvPr>
@@ -29009,7 +28741,7 @@
               </a:lnSpc>
             </a:pPr>
             <a:r>
-              <a:rPr lang="en-US" altLang="ko-KR" sz="1400" b="1" dirty="0" smtClean="0">
+              <a:rPr lang="en-US" altLang="ko-KR" sz="1400" b="1" dirty="0">
                 <a:solidFill>
                   <a:srgbClr val="44546A">
                     <a:lumMod val="75000"/>
@@ -29026,7 +28758,7 @@
           <p:cNvPr id="28" name="직사각형 27">
             <a:extLst>
               <a:ext uri="{FF2B5EF4-FFF2-40B4-BE49-F238E27FC236}">
-                <a16:creationId xmlns:a16="http://schemas.microsoft.com/office/drawing/2014/main" xmlns="" id="{3FA00699-5178-465A-9F3F-130CF1431F70}"/>
+                <a16:creationId xmlns:a16="http://schemas.microsoft.com/office/drawing/2014/main" id="{3FA00699-5178-465A-9F3F-130CF1431F70}"/>
               </a:ext>
             </a:extLst>
           </p:cNvPr>
@@ -29054,7 +28786,7 @@
               </a:lnSpc>
             </a:pPr>
             <a:r>
-              <a:rPr lang="ko-KR" altLang="en-US" sz="1400" b="1" dirty="0" smtClean="0">
+              <a:rPr lang="ko-KR" altLang="en-US" sz="1400" b="1" dirty="0">
                 <a:solidFill>
                   <a:srgbClr val="44546A">
                     <a:lumMod val="75000"/>
@@ -29078,7 +28810,7 @@
               </a:lnSpc>
             </a:pPr>
             <a:r>
-              <a:rPr lang="ko-KR" altLang="en-US" sz="1200" dirty="0" smtClean="0">
+              <a:rPr lang="ko-KR" altLang="en-US" sz="1200" dirty="0">
                 <a:solidFill>
                   <a:prstClr val="black">
                     <a:lumMod val="65000"/>
@@ -29104,7 +28836,7 @@
               </a:lnSpc>
             </a:pPr>
             <a:r>
-              <a:rPr lang="ko-KR" altLang="en-US" sz="900" dirty="0" smtClean="0">
+              <a:rPr lang="ko-KR" altLang="en-US" sz="900" dirty="0">
                 <a:solidFill>
                   <a:prstClr val="black">
                     <a:lumMod val="65000"/>
@@ -29115,7 +28847,7 @@
               <a:t>테이블</a:t>
             </a:r>
             <a:r>
-              <a:rPr lang="en-US" altLang="ko-KR" sz="900" dirty="0" smtClean="0">
+              <a:rPr lang="en-US" altLang="ko-KR" sz="900" dirty="0">
                 <a:solidFill>
                   <a:prstClr val="black">
                     <a:lumMod val="65000"/>
@@ -29126,7 +28858,7 @@
               <a:t>(</a:t>
             </a:r>
             <a:r>
-              <a:rPr lang="ko-KR" altLang="en-US" sz="900" dirty="0" smtClean="0">
+              <a:rPr lang="ko-KR" altLang="en-US" sz="900" dirty="0">
                 <a:solidFill>
                   <a:prstClr val="black">
                     <a:lumMod val="65000"/>
@@ -29137,7 +28869,7 @@
               <a:t>표</a:t>
             </a:r>
             <a:r>
-              <a:rPr lang="en-US" altLang="ko-KR" sz="900" dirty="0" smtClean="0">
+              <a:rPr lang="en-US" altLang="ko-KR" sz="900" dirty="0">
                 <a:solidFill>
                   <a:prstClr val="black">
                     <a:lumMod val="65000"/>
@@ -29148,7 +28880,7 @@
               <a:t>)</a:t>
             </a:r>
             <a:r>
-              <a:rPr lang="ko-KR" altLang="en-US" sz="900" dirty="0" smtClean="0">
+              <a:rPr lang="ko-KR" altLang="en-US" sz="900" dirty="0">
                 <a:solidFill>
                   <a:prstClr val="black">
                     <a:lumMod val="65000"/>
@@ -29158,14 +28890,6 @@
               </a:rPr>
               <a:t>에 데이터 넣기 빼기 찾기  </a:t>
             </a:r>
-            <a:endParaRPr lang="ko-KR" altLang="en-US" sz="900" dirty="0">
-              <a:solidFill>
-                <a:prstClr val="black">
-                  <a:lumMod val="65000"/>
-                  <a:lumOff val="35000"/>
-                </a:prstClr>
-              </a:solidFill>
-            </a:endParaRPr>
           </a:p>
         </p:txBody>
       </p:sp>
@@ -29174,7 +28898,7 @@
           <p:cNvPr id="35" name="직사각형 34">
             <a:extLst>
               <a:ext uri="{FF2B5EF4-FFF2-40B4-BE49-F238E27FC236}">
-                <a16:creationId xmlns:a16="http://schemas.microsoft.com/office/drawing/2014/main" xmlns="" id="{3FA00699-5178-465A-9F3F-130CF1431F70}"/>
+                <a16:creationId xmlns:a16="http://schemas.microsoft.com/office/drawing/2014/main" id="{3FA00699-5178-465A-9F3F-130CF1431F70}"/>
               </a:ext>
             </a:extLst>
           </p:cNvPr>
@@ -29202,7 +28926,7 @@
               </a:lnSpc>
             </a:pPr>
             <a:r>
-              <a:rPr lang="ko-KR" altLang="en-US" sz="1400" dirty="0" smtClean="0">
+              <a:rPr lang="ko-KR" altLang="en-US" sz="1400" dirty="0">
                 <a:solidFill>
                   <a:prstClr val="black">
                     <a:lumMod val="65000"/>
@@ -29212,14 +28936,6 @@
               </a:rPr>
               <a:t>재고 등록</a:t>
             </a:r>
-            <a:endParaRPr lang="ko-KR" altLang="en-US" sz="1400" dirty="0">
-              <a:solidFill>
-                <a:prstClr val="black">
-                  <a:lumMod val="65000"/>
-                  <a:lumOff val="35000"/>
-                </a:prstClr>
-              </a:solidFill>
-            </a:endParaRPr>
           </a:p>
         </p:txBody>
       </p:sp>
@@ -29228,7 +28944,7 @@
           <p:cNvPr id="37" name="직사각형 36">
             <a:extLst>
               <a:ext uri="{FF2B5EF4-FFF2-40B4-BE49-F238E27FC236}">
-                <a16:creationId xmlns:a16="http://schemas.microsoft.com/office/drawing/2014/main" xmlns="" id="{3FA00699-5178-465A-9F3F-130CF1431F70}"/>
+                <a16:creationId xmlns:a16="http://schemas.microsoft.com/office/drawing/2014/main" id="{3FA00699-5178-465A-9F3F-130CF1431F70}"/>
               </a:ext>
             </a:extLst>
           </p:cNvPr>
@@ -29256,7 +28972,7 @@
               </a:lnSpc>
             </a:pPr>
             <a:r>
-              <a:rPr lang="ko-KR" altLang="en-US" sz="1400" b="1" dirty="0" smtClean="0">
+              <a:rPr lang="ko-KR" altLang="en-US" sz="1400" b="1" dirty="0">
                 <a:solidFill>
                   <a:srgbClr val="44546A">
                     <a:lumMod val="75000"/>
@@ -29266,7 +28982,7 @@
               <a:t> </a:t>
             </a:r>
             <a:r>
-              <a:rPr lang="ko-KR" altLang="en-US" sz="1200" dirty="0" smtClean="0">
+              <a:rPr lang="ko-KR" altLang="en-US" sz="1200" dirty="0">
                 <a:solidFill>
                   <a:prstClr val="black">
                     <a:lumMod val="65000"/>
@@ -29274,18 +28990,7 @@
                   </a:prstClr>
                 </a:solidFill>
               </a:rPr>
-              <a:t>재고</a:t>
-            </a:r>
-            <a:r>
-              <a:rPr lang="ko-KR" altLang="en-US" sz="1200" dirty="0" smtClean="0">
-                <a:solidFill>
-                  <a:prstClr val="black">
-                    <a:lumMod val="65000"/>
-                    <a:lumOff val="35000"/>
-                  </a:prstClr>
-                </a:solidFill>
-              </a:rPr>
-              <a:t> 수정</a:t>
+              <a:t>재고 수정</a:t>
             </a:r>
             <a:endParaRPr lang="en-US" altLang="ko-KR" sz="1200" dirty="0">
               <a:solidFill>
@@ -29303,7 +29008,7 @@
           <p:cNvPr id="38" name="직사각형 37">
             <a:extLst>
               <a:ext uri="{FF2B5EF4-FFF2-40B4-BE49-F238E27FC236}">
-                <a16:creationId xmlns:a16="http://schemas.microsoft.com/office/drawing/2014/main" xmlns="" id="{3FA00699-5178-465A-9F3F-130CF1431F70}"/>
+                <a16:creationId xmlns:a16="http://schemas.microsoft.com/office/drawing/2014/main" id="{3FA00699-5178-465A-9F3F-130CF1431F70}"/>
               </a:ext>
             </a:extLst>
           </p:cNvPr>
@@ -29331,7 +29036,7 @@
               </a:lnSpc>
             </a:pPr>
             <a:r>
-              <a:rPr lang="ko-KR" altLang="en-US" sz="900" dirty="0" smtClean="0">
+              <a:rPr lang="ko-KR" altLang="en-US" sz="900" dirty="0">
                 <a:solidFill>
                   <a:prstClr val="black">
                     <a:lumMod val="65000"/>
@@ -29342,7 +29047,7 @@
               <a:t>기록 확인</a:t>
             </a:r>
             <a:r>
-              <a:rPr lang="en-US" altLang="ko-KR" sz="900" dirty="0" smtClean="0">
+              <a:rPr lang="en-US" altLang="ko-KR" sz="900" dirty="0">
                 <a:solidFill>
                   <a:prstClr val="black">
                     <a:lumMod val="65000"/>
@@ -29353,7 +29058,7 @@
               <a:t>,</a:t>
             </a:r>
             <a:r>
-              <a:rPr lang="ko-KR" altLang="en-US" sz="900" dirty="0" smtClean="0">
+              <a:rPr lang="ko-KR" altLang="en-US" sz="900" dirty="0">
                 <a:solidFill>
                   <a:prstClr val="black">
                     <a:lumMod val="65000"/>
@@ -29363,14 +29068,6 @@
               </a:rPr>
               <a:t>검색 및 삭제</a:t>
             </a:r>
-            <a:endParaRPr lang="ko-KR" altLang="en-US" sz="900" dirty="0">
-              <a:solidFill>
-                <a:prstClr val="black">
-                  <a:lumMod val="65000"/>
-                  <a:lumOff val="35000"/>
-                </a:prstClr>
-              </a:solidFill>
-            </a:endParaRPr>
           </a:p>
         </p:txBody>
       </p:sp>
@@ -29379,7 +29076,7 @@
           <p:cNvPr id="39" name="직사각형 38">
             <a:extLst>
               <a:ext uri="{FF2B5EF4-FFF2-40B4-BE49-F238E27FC236}">
-                <a16:creationId xmlns:a16="http://schemas.microsoft.com/office/drawing/2014/main" xmlns="" id="{3FA00699-5178-465A-9F3F-130CF1431F70}"/>
+                <a16:creationId xmlns:a16="http://schemas.microsoft.com/office/drawing/2014/main" id="{3FA00699-5178-465A-9F3F-130CF1431F70}"/>
               </a:ext>
             </a:extLst>
           </p:cNvPr>
@@ -29407,27 +29104,17 @@
               </a:lnSpc>
             </a:pPr>
             <a:r>
-              <a:rPr lang="ko-KR" altLang="en-US" sz="1400" b="1" dirty="0" smtClean="0">
+              <a:rPr lang="ko-KR" altLang="en-US" sz="1400" b="1" dirty="0">
                 <a:solidFill>
                   <a:srgbClr val="44546A">
                     <a:lumMod val="75000"/>
                   </a:srgbClr>
                 </a:solidFill>
               </a:rPr>
-              <a:t>제고 </a:t>
+              <a:t>제고 왔어요</a:t>
             </a:r>
             <a:r>
-              <a:rPr lang="ko-KR" altLang="en-US" sz="1400" b="1" dirty="0" smtClean="0">
-                <a:solidFill>
-                  <a:srgbClr val="44546A">
-                    <a:lumMod val="75000"/>
-                  </a:srgbClr>
-                </a:solidFill>
-              </a:rPr>
-              <a:t>왔어요</a:t>
-            </a:r>
-            <a:r>
-              <a:rPr lang="en-US" altLang="ko-KR" sz="1400" b="1" dirty="0" smtClean="0">
+              <a:rPr lang="en-US" altLang="ko-KR" sz="1400" b="1" dirty="0">
                 <a:solidFill>
                   <a:srgbClr val="44546A">
                     <a:lumMod val="75000"/>
@@ -29437,16 +29124,6 @@
               <a:t>(</a:t>
             </a:r>
             <a:r>
-              <a:rPr lang="ko-KR" altLang="en-US" sz="1400" b="1" dirty="0" smtClean="0">
-                <a:solidFill>
-                  <a:srgbClr val="44546A">
-                    <a:lumMod val="75000"/>
-                  </a:srgbClr>
-                </a:solidFill>
-              </a:rPr>
-              <a:t>입</a:t>
-            </a:r>
-            <a:r>
               <a:rPr lang="ko-KR" altLang="en-US" sz="1400" b="1" dirty="0">
                 <a:solidFill>
                   <a:srgbClr val="44546A">
@@ -29454,10 +29131,10 @@
                   </a:srgbClr>
                 </a:solidFill>
               </a:rPr>
-              <a:t>고</a:t>
+              <a:t>입고</a:t>
             </a:r>
             <a:r>
-              <a:rPr lang="en-US" altLang="ko-KR" sz="1400" b="1" dirty="0" smtClean="0">
+              <a:rPr lang="en-US" altLang="ko-KR" sz="1400" b="1" dirty="0">
                 <a:solidFill>
                   <a:srgbClr val="44546A">
                     <a:lumMod val="75000"/>
@@ -29466,7 +29143,7 @@
               </a:rPr>
               <a:t>)</a:t>
             </a:r>
-            <a:endParaRPr lang="ko-KR" altLang="en-US" sz="1400" b="1" dirty="0" smtClean="0">
+            <a:endParaRPr lang="ko-KR" altLang="en-US" sz="1400" b="1" dirty="0">
               <a:solidFill>
                 <a:srgbClr val="44546A">
                   <a:lumMod val="75000"/>
@@ -29481,7 +29158,7 @@
           <p:cNvPr id="41" name="직사각형 40">
             <a:extLst>
               <a:ext uri="{FF2B5EF4-FFF2-40B4-BE49-F238E27FC236}">
-                <a16:creationId xmlns:a16="http://schemas.microsoft.com/office/drawing/2014/main" xmlns="" id="{3FA00699-5178-465A-9F3F-130CF1431F70}"/>
+                <a16:creationId xmlns:a16="http://schemas.microsoft.com/office/drawing/2014/main" id="{3FA00699-5178-465A-9F3F-130CF1431F70}"/>
               </a:ext>
             </a:extLst>
           </p:cNvPr>
@@ -29509,14 +29186,24 @@
               </a:lnSpc>
             </a:pPr>
             <a:r>
-              <a:rPr lang="ko-KR" altLang="en-US" sz="1400" b="1" dirty="0" smtClean="0">
+              <a:rPr lang="ko-KR" altLang="en-US" sz="1400" b="1" dirty="0">
                 <a:solidFill>
                   <a:srgbClr val="44546A">
                     <a:lumMod val="75000"/>
                   </a:srgbClr>
                 </a:solidFill>
               </a:rPr>
-              <a:t>제고 나가</a:t>
+              <a:t>제고 나가요</a:t>
+            </a:r>
+            <a:r>
+              <a:rPr lang="en-US" altLang="ko-KR" sz="1400" b="1" dirty="0">
+                <a:solidFill>
+                  <a:srgbClr val="44546A">
+                    <a:lumMod val="75000"/>
+                  </a:srgbClr>
+                </a:solidFill>
+              </a:rPr>
+              <a:t>(</a:t>
             </a:r>
             <a:r>
               <a:rPr lang="ko-KR" altLang="en-US" sz="1400" b="1" dirty="0">
@@ -29526,40 +29213,10 @@
                   </a:srgbClr>
                 </a:solidFill>
               </a:rPr>
-              <a:t>요</a:t>
+              <a:t>출고</a:t>
             </a:r>
             <a:r>
-              <a:rPr lang="en-US" altLang="ko-KR" sz="1400" b="1" dirty="0" smtClean="0">
-                <a:solidFill>
-                  <a:srgbClr val="44546A">
-                    <a:lumMod val="75000"/>
-                  </a:srgbClr>
-                </a:solidFill>
-              </a:rPr>
-              <a:t>(</a:t>
-            </a:r>
-            <a:r>
-              <a:rPr lang="ko-KR" altLang="en-US" sz="1400" b="1" dirty="0" smtClean="0">
-                <a:solidFill>
-                  <a:srgbClr val="44546A">
-                    <a:lumMod val="75000"/>
-                  </a:srgbClr>
-                </a:solidFill>
-              </a:rPr>
-              <a:t>출</a:t>
-            </a:r>
-            <a:r>
-              <a:rPr lang="ko-KR" altLang="en-US" sz="1400" b="1" dirty="0">
-                <a:solidFill>
-                  <a:srgbClr val="44546A">
-                    <a:lumMod val="75000"/>
-                  </a:srgbClr>
-                </a:solidFill>
-              </a:rPr>
-              <a:t>고</a:t>
-            </a:r>
-            <a:r>
-              <a:rPr lang="en-US" altLang="ko-KR" sz="1400" b="1" dirty="0" smtClean="0">
+              <a:rPr lang="en-US" altLang="ko-KR" sz="1400" b="1" dirty="0">
                 <a:solidFill>
                   <a:srgbClr val="44546A">
                     <a:lumMod val="75000"/>
@@ -29568,7 +29225,7 @@
               </a:rPr>
               <a:t>)</a:t>
             </a:r>
-            <a:endParaRPr lang="ko-KR" altLang="en-US" sz="1400" b="1" dirty="0" smtClean="0">
+            <a:endParaRPr lang="ko-KR" altLang="en-US" sz="1400" b="1" dirty="0">
               <a:solidFill>
                 <a:srgbClr val="44546A">
                   <a:lumMod val="75000"/>
@@ -29605,7 +29262,7 @@
               </a:lnSpc>
             </a:pPr>
             <a:r>
-              <a:rPr lang="ko-KR" altLang="en-US" sz="2800" dirty="0" smtClean="0">
+              <a:rPr lang="ko-KR" altLang="en-US" sz="2800" dirty="0">
                 <a:solidFill>
                   <a:schemeClr val="accent6">
                     <a:lumMod val="75000"/>
@@ -29614,13 +29271,6 @@
               </a:rPr>
               <a:t>현 상황 및 미래 </a:t>
             </a:r>
-            <a:endParaRPr lang="ko-KR" altLang="en-US" sz="2800" dirty="0">
-              <a:solidFill>
-                <a:schemeClr val="accent6">
-                  <a:lumMod val="75000"/>
-                </a:schemeClr>
-              </a:solidFill>
-            </a:endParaRPr>
           </a:p>
         </p:txBody>
       </p:sp>
@@ -29634,13 +29284,6 @@
   <p:clrMapOvr>
     <a:masterClrMapping/>
   </p:clrMapOvr>
-  <p:timing>
-    <p:tnLst>
-      <p:par>
-        <p:cTn id="1" dur="indefinite" restart="never" nodeType="tmRoot"/>
-      </p:par>
-    </p:tnLst>
-  </p:timing>
 </p:sld>
 </file>
 
@@ -30062,7 +29705,7 @@
           <p:cNvPr id="26" name="직사각형 25">
             <a:extLst>
               <a:ext uri="{FF2B5EF4-FFF2-40B4-BE49-F238E27FC236}">
-                <a16:creationId xmlns:a16="http://schemas.microsoft.com/office/drawing/2014/main" xmlns="" id="{3FA00699-5178-465A-9F3F-130CF1431F70}"/>
+                <a16:creationId xmlns:a16="http://schemas.microsoft.com/office/drawing/2014/main" id="{3FA00699-5178-465A-9F3F-130CF1431F70}"/>
               </a:ext>
             </a:extLst>
           </p:cNvPr>
@@ -30090,7 +29733,7 @@
               </a:lnSpc>
             </a:pPr>
             <a:r>
-              <a:rPr lang="en-US" altLang="ko-KR" sz="1600" b="1" dirty="0" smtClean="0">
+              <a:rPr lang="en-US" altLang="ko-KR" sz="1600" b="1" dirty="0">
                 <a:solidFill>
                   <a:prstClr val="black">
                     <a:lumMod val="65000"/>
@@ -30101,7 +29744,7 @@
               <a:t>EXCELL</a:t>
             </a:r>
             <a:r>
-              <a:rPr lang="ko-KR" altLang="en-US" sz="1600" b="1" dirty="0" smtClean="0">
+              <a:rPr lang="ko-KR" altLang="en-US" sz="1600" b="1" dirty="0">
                 <a:solidFill>
                   <a:prstClr val="black">
                     <a:lumMod val="65000"/>
@@ -30112,7 +29755,7 @@
               <a:t>를 모르는 옆집 </a:t>
             </a:r>
             <a:r>
-              <a:rPr lang="en-US" altLang="ko-KR" sz="1600" b="1" dirty="0" smtClean="0">
+              <a:rPr lang="en-US" altLang="ko-KR" sz="1600" b="1" dirty="0">
                 <a:solidFill>
                   <a:prstClr val="black">
                     <a:lumMod val="65000"/>
@@ -30123,7 +29766,7 @@
               <a:t>A</a:t>
             </a:r>
             <a:r>
-              <a:rPr lang="ko-KR" altLang="en-US" sz="1600" b="1" dirty="0" smtClean="0">
+              <a:rPr lang="ko-KR" altLang="en-US" sz="1600" b="1" dirty="0">
                 <a:solidFill>
                   <a:prstClr val="black">
                     <a:lumMod val="65000"/>
@@ -30149,7 +29792,7 @@
               </a:lnSpc>
             </a:pPr>
             <a:r>
-              <a:rPr lang="en-US" altLang="ko-KR" sz="1400" dirty="0" smtClean="0">
+              <a:rPr lang="en-US" altLang="ko-KR" sz="1400" dirty="0">
                 <a:solidFill>
                   <a:prstClr val="black">
                     <a:lumMod val="65000"/>
@@ -30160,7 +29803,7 @@
               <a:t>“</a:t>
             </a:r>
             <a:r>
-              <a:rPr lang="ko-KR" altLang="en-US" sz="1400" dirty="0" smtClean="0">
+              <a:rPr lang="ko-KR" altLang="en-US" sz="1400" dirty="0">
                 <a:solidFill>
                   <a:prstClr val="black">
                     <a:lumMod val="65000"/>
@@ -30171,7 +29814,7 @@
               <a:t>냉동실에 있는 제품들이 잘 정리가 되요</a:t>
             </a:r>
             <a:r>
-              <a:rPr lang="en-US" altLang="ko-KR" sz="1400" dirty="0" smtClean="0">
+              <a:rPr lang="en-US" altLang="ko-KR" sz="1400" dirty="0">
                 <a:solidFill>
                   <a:prstClr val="black">
                     <a:lumMod val="65000"/>
@@ -30181,14 +29824,6 @@
               </a:rPr>
               <a:t>!”</a:t>
             </a:r>
-            <a:endParaRPr lang="en-US" altLang="ko-KR" sz="1400" dirty="0">
-              <a:solidFill>
-                <a:prstClr val="black">
-                  <a:lumMod val="65000"/>
-                  <a:lumOff val="35000"/>
-                </a:prstClr>
-              </a:solidFill>
-            </a:endParaRPr>
           </a:p>
           <a:p>
             <a:pPr>
@@ -30197,23 +29832,15 @@
               </a:lnSpc>
             </a:pPr>
             <a:r>
-              <a:rPr lang="ko-KR" altLang="en-US" sz="1000" dirty="0" smtClean="0">
+              <a:rPr lang="ko-KR" altLang="en-US" sz="1000" dirty="0">
                 <a:solidFill>
                   <a:srgbClr val="FF0000"/>
                 </a:solidFill>
               </a:rPr>
-              <a:t>실제로 일반 프로그램은 무겁</a:t>
+              <a:t>실제로 일반 프로그램은 무겁고 가정용으로 알맞지 않다</a:t>
             </a:r>
             <a:r>
-              <a:rPr lang="ko-KR" altLang="en-US" sz="1000" dirty="0" smtClean="0">
-                <a:solidFill>
-                  <a:srgbClr val="FF0000"/>
-                </a:solidFill>
-              </a:rPr>
-              <a:t>고 가정용으로 알맞지 않다</a:t>
-            </a:r>
-            <a:r>
-              <a:rPr lang="en-US" altLang="ko-KR" sz="1000" dirty="0" smtClean="0">
+              <a:rPr lang="en-US" altLang="ko-KR" sz="1000" dirty="0">
                 <a:solidFill>
                   <a:srgbClr val="FF0000"/>
                 </a:solidFill>
@@ -30221,18 +29848,13 @@
               <a:t>.</a:t>
             </a:r>
             <a:r>
-              <a:rPr lang="ko-KR" altLang="en-US" sz="1000" dirty="0" smtClean="0">
+              <a:rPr lang="ko-KR" altLang="en-US" sz="1000" dirty="0">
                 <a:solidFill>
                   <a:srgbClr val="FF0000"/>
                 </a:solidFill>
               </a:rPr>
               <a:t> </a:t>
             </a:r>
-            <a:endParaRPr lang="ko-KR" altLang="en-US" sz="1000" dirty="0">
-              <a:solidFill>
-                <a:srgbClr val="FF0000"/>
-              </a:solidFill>
-            </a:endParaRPr>
           </a:p>
         </p:txBody>
       </p:sp>
@@ -30241,7 +29863,7 @@
           <p:cNvPr id="29" name="직사각형 28">
             <a:extLst>
               <a:ext uri="{FF2B5EF4-FFF2-40B4-BE49-F238E27FC236}">
-                <a16:creationId xmlns:a16="http://schemas.microsoft.com/office/drawing/2014/main" xmlns="" id="{3FA00699-5178-465A-9F3F-130CF1431F70}"/>
+                <a16:creationId xmlns:a16="http://schemas.microsoft.com/office/drawing/2014/main" id="{3FA00699-5178-465A-9F3F-130CF1431F70}"/>
               </a:ext>
             </a:extLst>
           </p:cNvPr>
@@ -30269,7 +29891,7 @@
               </a:lnSpc>
             </a:pPr>
             <a:r>
-              <a:rPr lang="ko-KR" altLang="en-US" sz="1600" b="1" dirty="0" smtClean="0">
+              <a:rPr lang="ko-KR" altLang="en-US" sz="1600" b="1" dirty="0">
                 <a:solidFill>
                   <a:prstClr val="black">
                     <a:lumMod val="65000"/>
@@ -30280,7 +29902,7 @@
               <a:t>포</a:t>
             </a:r>
             <a:r>
-              <a:rPr lang="en-US" altLang="ko-KR" sz="1600" b="1" dirty="0" smtClean="0">
+              <a:rPr lang="en-US" altLang="ko-KR" sz="1600" b="1" dirty="0">
                 <a:solidFill>
                   <a:prstClr val="black">
                     <a:lumMod val="65000"/>
@@ -30291,7 +29913,7 @@
               <a:t>.</a:t>
             </a:r>
             <a:r>
-              <a:rPr lang="ko-KR" altLang="en-US" sz="1600" b="1" dirty="0" smtClean="0">
+              <a:rPr lang="ko-KR" altLang="en-US" sz="1600" b="1" dirty="0">
                 <a:solidFill>
                   <a:prstClr val="black">
                     <a:lumMod val="65000"/>
@@ -30302,7 +29924,7 @@
               <a:t>노</a:t>
             </a:r>
             <a:r>
-              <a:rPr lang="en-US" altLang="ko-KR" sz="1600" b="1" dirty="0" smtClean="0">
+              <a:rPr lang="en-US" altLang="ko-KR" sz="1600" b="1" dirty="0">
                 <a:solidFill>
                   <a:prstClr val="black">
                     <a:lumMod val="65000"/>
@@ -30313,7 +29935,7 @@
               <a:t>.</a:t>
             </a:r>
             <a:r>
-              <a:rPr lang="ko-KR" altLang="en-US" sz="1600" b="1" dirty="0" smtClean="0">
+              <a:rPr lang="ko-KR" altLang="en-US" sz="1600" b="1" dirty="0">
                 <a:solidFill>
                   <a:prstClr val="black">
                     <a:lumMod val="65000"/>
@@ -30324,7 +29946,7 @@
               <a:t>족 </a:t>
             </a:r>
             <a:r>
-              <a:rPr lang="en-US" altLang="ko-KR" sz="1600" b="1" dirty="0" smtClean="0">
+              <a:rPr lang="en-US" altLang="ko-KR" sz="1600" b="1" dirty="0">
                 <a:solidFill>
                   <a:prstClr val="black">
                     <a:lumMod val="65000"/>
@@ -30335,7 +29957,7 @@
               <a:t>B</a:t>
             </a:r>
             <a:r>
-              <a:rPr lang="ko-KR" altLang="en-US" sz="1600" b="1" dirty="0" smtClean="0">
+              <a:rPr lang="ko-KR" altLang="en-US" sz="1600" b="1" dirty="0">
                 <a:solidFill>
                   <a:prstClr val="black">
                     <a:lumMod val="65000"/>
@@ -30361,7 +29983,7 @@
               </a:lnSpc>
             </a:pPr>
             <a:r>
-              <a:rPr lang="en-US" altLang="ko-KR" sz="1400" dirty="0" smtClean="0">
+              <a:rPr lang="en-US" altLang="ko-KR" sz="1400" dirty="0">
                 <a:solidFill>
                   <a:prstClr val="black">
                     <a:lumMod val="65000"/>
@@ -30372,7 +29994,7 @@
               <a:t>“</a:t>
             </a:r>
             <a:r>
-              <a:rPr lang="ko-KR" altLang="en-US" sz="1400" dirty="0" smtClean="0">
+              <a:rPr lang="ko-KR" altLang="en-US" sz="1400" dirty="0">
                 <a:solidFill>
                   <a:prstClr val="black">
                     <a:lumMod val="65000"/>
@@ -30383,7 +30005,7 @@
               <a:t>물건 팔 때 꼭 필요해요 </a:t>
             </a:r>
             <a:r>
-              <a:rPr lang="en-US" altLang="ko-KR" sz="1400" dirty="0" smtClean="0">
+              <a:rPr lang="en-US" altLang="ko-KR" sz="1400" dirty="0">
                 <a:solidFill>
                   <a:prstClr val="black">
                     <a:lumMod val="65000"/>
@@ -30393,14 +30015,6 @@
               </a:rPr>
               <a:t>“</a:t>
             </a:r>
-            <a:endParaRPr lang="en-US" altLang="ko-KR" sz="1400" dirty="0">
-              <a:solidFill>
-                <a:prstClr val="black">
-                  <a:lumMod val="65000"/>
-                  <a:lumOff val="35000"/>
-                </a:prstClr>
-              </a:solidFill>
-            </a:endParaRPr>
           </a:p>
           <a:p>
             <a:pPr>
@@ -30409,7 +30023,7 @@
               </a:lnSpc>
             </a:pPr>
             <a:r>
-              <a:rPr lang="ko-KR" altLang="en-US" sz="1000" dirty="0" smtClean="0">
+              <a:rPr lang="ko-KR" altLang="en-US" sz="1000" dirty="0">
                 <a:solidFill>
                   <a:srgbClr val="FF0000"/>
                 </a:solidFill>
@@ -30417,7 +30031,7 @@
               <a:t>포</a:t>
             </a:r>
             <a:r>
-              <a:rPr lang="en-US" altLang="ko-KR" sz="1000" dirty="0" smtClean="0">
+              <a:rPr lang="en-US" altLang="ko-KR" sz="1000" dirty="0">
                 <a:solidFill>
                   <a:srgbClr val="FF0000"/>
                 </a:solidFill>
@@ -30425,7 +30039,7 @@
               <a:t>.</a:t>
             </a:r>
             <a:r>
-              <a:rPr lang="ko-KR" altLang="en-US" sz="1000" dirty="0" smtClean="0">
+              <a:rPr lang="ko-KR" altLang="en-US" sz="1000" dirty="0">
                 <a:solidFill>
                   <a:srgbClr val="FF0000"/>
                 </a:solidFill>
@@ -30433,7 +30047,7 @@
               <a:t>노</a:t>
             </a:r>
             <a:r>
-              <a:rPr lang="en-US" altLang="ko-KR" sz="1000" dirty="0" smtClean="0">
+              <a:rPr lang="en-US" altLang="ko-KR" sz="1000" dirty="0">
                 <a:solidFill>
                   <a:srgbClr val="FF0000"/>
                 </a:solidFill>
@@ -30441,7 +30055,7 @@
               <a:t>.</a:t>
             </a:r>
             <a:r>
-              <a:rPr lang="ko-KR" altLang="en-US" sz="1000" dirty="0" smtClean="0">
+              <a:rPr lang="ko-KR" altLang="en-US" sz="1000" dirty="0">
                 <a:solidFill>
                   <a:srgbClr val="FF0000"/>
                 </a:solidFill>
@@ -30449,7 +30063,7 @@
               <a:t>족</a:t>
             </a:r>
             <a:r>
-              <a:rPr lang="en-US" altLang="ko-KR" sz="1000" dirty="0" smtClean="0">
+              <a:rPr lang="en-US" altLang="ko-KR" sz="1000" dirty="0">
                 <a:solidFill>
                   <a:srgbClr val="FF0000"/>
                 </a:solidFill>
@@ -30457,7 +30071,7 @@
               <a:t>(</a:t>
             </a:r>
             <a:r>
-              <a:rPr lang="ko-KR" altLang="en-US" sz="1000" dirty="0" smtClean="0">
+              <a:rPr lang="ko-KR" altLang="en-US" sz="1000" dirty="0">
                 <a:solidFill>
                   <a:srgbClr val="FF0000"/>
                 </a:solidFill>
@@ -30465,7 +30079,7 @@
               <a:t>포</a:t>
             </a:r>
             <a:r>
-              <a:rPr lang="en-US" altLang="ko-KR" sz="1000" dirty="0" smtClean="0">
+              <a:rPr lang="en-US" altLang="ko-KR" sz="1000" dirty="0">
                 <a:solidFill>
                   <a:srgbClr val="FF0000"/>
                 </a:solidFill>
@@ -30473,7 +30087,7 @@
               <a:t>.</a:t>
             </a:r>
             <a:r>
-              <a:rPr lang="ko-KR" altLang="en-US" sz="1000" dirty="0" smtClean="0">
+              <a:rPr lang="ko-KR" altLang="en-US" sz="1000" dirty="0">
                 <a:solidFill>
                   <a:srgbClr val="FF0000"/>
                 </a:solidFill>
@@ -30489,7 +30103,7 @@
               <a:t>-</a:t>
             </a:r>
             <a:r>
-              <a:rPr lang="ko-KR" altLang="en-US" sz="1000" dirty="0" smtClean="0">
+              <a:rPr lang="ko-KR" altLang="en-US" sz="1000" dirty="0">
                 <a:solidFill>
                   <a:srgbClr val="FF0000"/>
                 </a:solidFill>
@@ -30497,7 +30111,7 @@
               <a:t>사</a:t>
             </a:r>
             <a:r>
-              <a:rPr lang="en-US" altLang="ko-KR" sz="1000" dirty="0" smtClean="0">
+              <a:rPr lang="en-US" altLang="ko-KR" sz="1000" dirty="0">
                 <a:solidFill>
                   <a:srgbClr val="FF0000"/>
                 </a:solidFill>
@@ -30505,7 +30119,7 @@
               <a:t>.</a:t>
             </a:r>
             <a:r>
-              <a:rPr lang="ko-KR" altLang="en-US" sz="1000" dirty="0" smtClean="0">
+              <a:rPr lang="ko-KR" altLang="en-US" sz="1000" dirty="0">
                 <a:solidFill>
                   <a:srgbClr val="FF0000"/>
                 </a:solidFill>
@@ -30513,7 +30127,7 @@
               <a:t>피</a:t>
             </a:r>
             <a:r>
-              <a:rPr lang="en-US" altLang="ko-KR" sz="1000" dirty="0" smtClean="0">
+              <a:rPr lang="en-US" altLang="ko-KR" sz="1000" dirty="0">
                 <a:solidFill>
                   <a:srgbClr val="FF0000"/>
                 </a:solidFill>
@@ -30521,7 +30135,7 @@
               <a:t>.</a:t>
             </a:r>
             <a:r>
-              <a:rPr lang="ko-KR" altLang="en-US" sz="1000" dirty="0" smtClean="0">
+              <a:rPr lang="ko-KR" altLang="en-US" sz="1000" dirty="0">
                 <a:solidFill>
                   <a:srgbClr val="FF0000"/>
                 </a:solidFill>
@@ -30529,7 +30143,7 @@
               <a:t>언</a:t>
             </a:r>
             <a:r>
-              <a:rPr lang="en-US" altLang="ko-KR" sz="1000" dirty="0" smtClean="0">
+              <a:rPr lang="en-US" altLang="ko-KR" sz="1000" dirty="0">
                 <a:solidFill>
                   <a:srgbClr val="FF0000"/>
                 </a:solidFill>
@@ -30537,7 +30151,7 @@
               <a:t>.</a:t>
             </a:r>
             <a:r>
-              <a:rPr lang="ko-KR" altLang="en-US" sz="1000" dirty="0" err="1" smtClean="0">
+              <a:rPr lang="ko-KR" altLang="en-US" sz="1000" dirty="0" err="1">
                 <a:solidFill>
                   <a:srgbClr val="FF0000"/>
                 </a:solidFill>
@@ -30545,7 +30159,7 @@
               <a:t>스</a:t>
             </a:r>
             <a:r>
-              <a:rPr lang="en-US" altLang="ko-KR" sz="1000" dirty="0" smtClean="0">
+              <a:rPr lang="en-US" altLang="ko-KR" sz="1000" dirty="0">
                 <a:solidFill>
                   <a:srgbClr val="FF0000"/>
                 </a:solidFill>
@@ -30553,7 +30167,7 @@
               <a:t>)</a:t>
             </a:r>
             <a:r>
-              <a:rPr lang="ko-KR" altLang="en-US" sz="1000" dirty="0" smtClean="0">
+              <a:rPr lang="ko-KR" altLang="en-US" sz="1000" dirty="0">
                 <a:solidFill>
                   <a:srgbClr val="FF0000"/>
                 </a:solidFill>
@@ -30561,7 +30175,7 @@
               <a:t>가 증가함에 따라 자신이 물건을 </a:t>
             </a:r>
             <a:r>
-              <a:rPr lang="en-US" altLang="ko-KR" sz="1000" dirty="0" smtClean="0">
+              <a:rPr lang="en-US" altLang="ko-KR" sz="1000" dirty="0">
                 <a:solidFill>
                   <a:srgbClr val="FF0000"/>
                 </a:solidFill>
@@ -30569,7 +30183,7 @@
               <a:t>SNS</a:t>
             </a:r>
             <a:r>
-              <a:rPr lang="ko-KR" altLang="en-US" sz="1000" dirty="0" smtClean="0">
+              <a:rPr lang="ko-KR" altLang="en-US" sz="1000" dirty="0">
                 <a:solidFill>
                   <a:srgbClr val="FF0000"/>
                 </a:solidFill>
@@ -30577,7 +30191,7 @@
               <a:t>등으로 광고해 판매하는데 이때 필요하다</a:t>
             </a:r>
             <a:r>
-              <a:rPr lang="en-US" altLang="ko-KR" sz="1000" dirty="0" smtClean="0">
+              <a:rPr lang="en-US" altLang="ko-KR" sz="1000" dirty="0">
                 <a:solidFill>
                   <a:srgbClr val="FF0000"/>
                 </a:solidFill>
@@ -30597,7 +30211,7 @@
           <p:cNvPr id="33" name="직사각형 32">
             <a:extLst>
               <a:ext uri="{FF2B5EF4-FFF2-40B4-BE49-F238E27FC236}">
-                <a16:creationId xmlns:a16="http://schemas.microsoft.com/office/drawing/2014/main" xmlns="" id="{3FA00699-5178-465A-9F3F-130CF1431F70}"/>
+                <a16:creationId xmlns:a16="http://schemas.microsoft.com/office/drawing/2014/main" id="{3FA00699-5178-465A-9F3F-130CF1431F70}"/>
               </a:ext>
             </a:extLst>
           </p:cNvPr>
@@ -30625,7 +30239,7 @@
               </a:lnSpc>
             </a:pPr>
             <a:r>
-              <a:rPr lang="ko-KR" altLang="en-US" sz="1600" b="1" dirty="0" smtClean="0">
+              <a:rPr lang="ko-KR" altLang="en-US" sz="1600" b="1" dirty="0">
                 <a:solidFill>
                   <a:prstClr val="black">
                     <a:lumMod val="65000"/>
@@ -30636,7 +30250,7 @@
               <a:t>통신 행</a:t>
             </a:r>
             <a:r>
-              <a:rPr lang="en-US" altLang="ko-KR" sz="1600" b="1" dirty="0" smtClean="0">
+              <a:rPr lang="en-US" altLang="ko-KR" sz="1600" b="1" dirty="0">
                 <a:solidFill>
                   <a:prstClr val="black">
                     <a:lumMod val="65000"/>
@@ -30647,7 +30261,7 @@
               <a:t>.</a:t>
             </a:r>
             <a:r>
-              <a:rPr lang="ko-KR" altLang="en-US" sz="1600" b="1" dirty="0" smtClean="0">
+              <a:rPr lang="ko-KR" altLang="en-US" sz="1600" b="1" dirty="0">
                 <a:solidFill>
                   <a:prstClr val="black">
                     <a:lumMod val="65000"/>
@@ -30658,7 +30272,7 @@
               <a:t>보</a:t>
             </a:r>
             <a:r>
-              <a:rPr lang="en-US" altLang="ko-KR" sz="1600" b="1" dirty="0" smtClean="0">
+              <a:rPr lang="en-US" altLang="ko-KR" sz="1600" b="1" dirty="0">
                 <a:solidFill>
                   <a:prstClr val="black">
                     <a:lumMod val="65000"/>
@@ -30669,7 +30283,7 @@
               <a:t>.</a:t>
             </a:r>
             <a:r>
-              <a:rPr lang="ko-KR" altLang="en-US" sz="1600" b="1" dirty="0" smtClean="0">
+              <a:rPr lang="ko-KR" altLang="en-US" sz="1600" b="1" dirty="0">
                 <a:solidFill>
                   <a:prstClr val="black">
                     <a:lumMod val="65000"/>
@@ -30680,7 +30294,7 @@
               <a:t>관 </a:t>
             </a:r>
             <a:r>
-              <a:rPr lang="en-US" altLang="ko-KR" sz="1600" b="1" dirty="0" smtClean="0">
+              <a:rPr lang="en-US" altLang="ko-KR" sz="1600" b="1" dirty="0">
                 <a:solidFill>
                   <a:prstClr val="black">
                     <a:lumMod val="65000"/>
@@ -30691,7 +30305,7 @@
               <a:t>C</a:t>
             </a:r>
             <a:r>
-              <a:rPr lang="ko-KR" altLang="en-US" sz="1600" b="1" dirty="0" smtClean="0">
+              <a:rPr lang="ko-KR" altLang="en-US" sz="1600" b="1" dirty="0">
                 <a:solidFill>
                   <a:prstClr val="black">
                     <a:lumMod val="65000"/>
@@ -30702,7 +30316,7 @@
               <a:t>씨</a:t>
             </a:r>
             <a:r>
-              <a:rPr lang="en-US" altLang="ko-KR" sz="1600" b="1" dirty="0" smtClean="0">
+              <a:rPr lang="en-US" altLang="ko-KR" sz="1600" b="1" dirty="0">
                 <a:solidFill>
                   <a:prstClr val="black">
                     <a:lumMod val="65000"/>
@@ -30713,7 +30327,7 @@
               <a:t>(</a:t>
             </a:r>
             <a:r>
-              <a:rPr lang="ko-KR" altLang="en-US" sz="1600" b="1" dirty="0" smtClean="0">
+              <a:rPr lang="ko-KR" altLang="en-US" sz="1600" b="1" dirty="0">
                 <a:solidFill>
                   <a:prstClr val="black">
                     <a:lumMod val="65000"/>
@@ -30724,7 +30338,7 @@
               <a:t>군</a:t>
             </a:r>
             <a:r>
-              <a:rPr lang="en-US" altLang="ko-KR" sz="1600" b="1" dirty="0" smtClean="0">
+              <a:rPr lang="en-US" altLang="ko-KR" sz="1600" b="1" dirty="0">
                 <a:solidFill>
                   <a:prstClr val="black">
                     <a:lumMod val="65000"/>
@@ -30735,7 +30349,7 @@
               <a:t>)</a:t>
             </a:r>
             <a:r>
-              <a:rPr lang="ko-KR" altLang="en-US" sz="1600" b="1" dirty="0" smtClean="0">
+              <a:rPr lang="ko-KR" altLang="en-US" sz="1600" b="1" dirty="0">
                 <a:solidFill>
                   <a:prstClr val="black">
                     <a:lumMod val="65000"/>
@@ -30761,7 +30375,7 @@
               </a:lnSpc>
             </a:pPr>
             <a:r>
-              <a:rPr lang="en-US" altLang="ko-KR" sz="1400" dirty="0" smtClean="0">
+              <a:rPr lang="en-US" altLang="ko-KR" sz="1400" dirty="0">
                 <a:solidFill>
                   <a:prstClr val="black">
                     <a:lumMod val="65000"/>
@@ -30772,7 +30386,7 @@
               <a:t>“</a:t>
             </a:r>
             <a:r>
-              <a:rPr lang="ko-KR" altLang="en-US" sz="1400" dirty="0" smtClean="0">
+              <a:rPr lang="ko-KR" altLang="en-US" sz="1400" dirty="0">
                 <a:solidFill>
                   <a:prstClr val="black">
                     <a:lumMod val="65000"/>
@@ -30783,7 +30397,7 @@
               <a:t>통신 중대에서 각 대대의 재고를 확인할 필요가 있어</a:t>
             </a:r>
             <a:r>
-              <a:rPr lang="en-US" altLang="ko-KR" sz="1400" dirty="0" smtClean="0">
+              <a:rPr lang="en-US" altLang="ko-KR" sz="1400" dirty="0">
                 <a:solidFill>
                   <a:prstClr val="black">
                     <a:lumMod val="65000"/>
@@ -30793,7 +30407,7 @@
               </a:rPr>
               <a:t>”</a:t>
             </a:r>
-            <a:endParaRPr lang="en-US" altLang="ko-KR" sz="1000" dirty="0" smtClean="0">
+            <a:endParaRPr lang="en-US" altLang="ko-KR" sz="1000" dirty="0">
               <a:solidFill>
                 <a:prstClr val="black">
                   <a:lumMod val="65000"/>
@@ -30809,18 +30423,13 @@
               </a:lnSpc>
             </a:pPr>
             <a:r>
-              <a:rPr lang="ko-KR" altLang="en-US" sz="1000" dirty="0" smtClean="0">
+              <a:rPr lang="ko-KR" altLang="en-US" sz="1000" dirty="0">
                 <a:solidFill>
                   <a:srgbClr val="FF0000"/>
                 </a:solidFill>
               </a:rPr>
               <a:t>대대 나 소대 등 작은 부대는 창고내용을 아직도 글로 적는 경우가 많아요 </a:t>
             </a:r>
-            <a:endParaRPr lang="ko-KR" altLang="en-US" sz="1000" dirty="0">
-              <a:solidFill>
-                <a:srgbClr val="FF0000"/>
-              </a:solidFill>
-            </a:endParaRPr>
           </a:p>
         </p:txBody>
       </p:sp>
@@ -30829,7 +30438,7 @@
           <p:cNvPr id="36" name="직사각형 35">
             <a:extLst>
               <a:ext uri="{FF2B5EF4-FFF2-40B4-BE49-F238E27FC236}">
-                <a16:creationId xmlns:a16="http://schemas.microsoft.com/office/drawing/2014/main" xmlns="" id="{3FA00699-5178-465A-9F3F-130CF1431F70}"/>
+                <a16:creationId xmlns:a16="http://schemas.microsoft.com/office/drawing/2014/main" id="{3FA00699-5178-465A-9F3F-130CF1431F70}"/>
               </a:ext>
             </a:extLst>
           </p:cNvPr>
@@ -30857,7 +30466,7 @@
               </a:lnSpc>
             </a:pPr>
             <a:r>
-              <a:rPr lang="ko-KR" altLang="en-US" sz="1600" b="1" dirty="0" smtClean="0">
+              <a:rPr lang="ko-KR" altLang="en-US" sz="1600" b="1" dirty="0">
                 <a:solidFill>
                   <a:prstClr val="black">
                     <a:lumMod val="65000"/>
@@ -30868,7 +30477,7 @@
               <a:t>집 밖의 </a:t>
             </a:r>
             <a:r>
-              <a:rPr lang="en-US" altLang="ko-KR" sz="1600" b="1" dirty="0" smtClean="0">
+              <a:rPr lang="en-US" altLang="ko-KR" sz="1600" b="1" dirty="0">
                 <a:solidFill>
                   <a:prstClr val="black">
                     <a:lumMod val="65000"/>
@@ -30879,7 +30488,7 @@
               <a:t>D</a:t>
             </a:r>
             <a:r>
-              <a:rPr lang="ko-KR" altLang="en-US" sz="1600" b="1" dirty="0" smtClean="0">
+              <a:rPr lang="ko-KR" altLang="en-US" sz="1600" b="1" dirty="0">
                 <a:solidFill>
                   <a:prstClr val="black">
                     <a:lumMod val="65000"/>
@@ -30905,7 +30514,7 @@
               </a:lnSpc>
             </a:pPr>
             <a:r>
-              <a:rPr lang="en-US" altLang="ko-KR" sz="1400" dirty="0" smtClean="0">
+              <a:rPr lang="en-US" altLang="ko-KR" sz="1400" dirty="0">
                 <a:solidFill>
                   <a:prstClr val="black">
                     <a:lumMod val="65000"/>
@@ -30916,7 +30525,7 @@
               <a:t>“</a:t>
             </a:r>
             <a:r>
-              <a:rPr lang="ko-KR" altLang="en-US" sz="1400" dirty="0" smtClean="0">
+              <a:rPr lang="ko-KR" altLang="en-US" sz="1400" dirty="0">
                 <a:solidFill>
                   <a:prstClr val="black">
                     <a:lumMod val="65000"/>
@@ -30927,7 +30536,7 @@
               <a:t>창고에 신상 옷 </a:t>
             </a:r>
             <a:r>
-              <a:rPr lang="en-US" altLang="ko-KR" sz="1400" dirty="0" smtClean="0">
+              <a:rPr lang="en-US" altLang="ko-KR" sz="1400" dirty="0">
                 <a:solidFill>
                   <a:prstClr val="black">
                     <a:lumMod val="65000"/>
@@ -30938,7 +30547,7 @@
               <a:t>100</a:t>
             </a:r>
             <a:r>
-              <a:rPr lang="ko-KR" altLang="en-US" sz="1400" dirty="0" smtClean="0">
+              <a:rPr lang="ko-KR" altLang="en-US" sz="1400" dirty="0">
                 <a:solidFill>
                   <a:prstClr val="black">
                     <a:lumMod val="65000"/>
@@ -30949,7 +30558,7 @@
               <a:t>벌 있는지요</a:t>
             </a:r>
             <a:r>
-              <a:rPr lang="en-US" altLang="ko-KR" sz="1400" dirty="0" smtClean="0">
+              <a:rPr lang="en-US" altLang="ko-KR" sz="1400" dirty="0">
                 <a:solidFill>
                   <a:prstClr val="black">
                     <a:lumMod val="65000"/>
@@ -30960,7 +30569,7 @@
               <a:t>? </a:t>
             </a:r>
             <a:r>
-              <a:rPr lang="ko-KR" altLang="en-US" sz="1400" dirty="0" smtClean="0">
+              <a:rPr lang="ko-KR" altLang="en-US" sz="1400" dirty="0">
                 <a:solidFill>
                   <a:prstClr val="black">
                     <a:lumMod val="65000"/>
@@ -30971,7 +30580,7 @@
               <a:t>집 가야지 알 거 같은데</a:t>
             </a:r>
             <a:r>
-              <a:rPr lang="en-US" altLang="ko-KR" sz="1400" dirty="0" smtClean="0">
+              <a:rPr lang="en-US" altLang="ko-KR" sz="1400" dirty="0">
                 <a:solidFill>
                   <a:prstClr val="black">
                     <a:lumMod val="65000"/>
@@ -30981,7 +30590,7 @@
               </a:rPr>
               <a:t>……”</a:t>
             </a:r>
-            <a:endParaRPr lang="en-US" altLang="ko-KR" sz="1000" dirty="0" smtClean="0">
+            <a:endParaRPr lang="en-US" altLang="ko-KR" sz="1000" dirty="0">
               <a:solidFill>
                 <a:prstClr val="black">
                   <a:lumMod val="65000"/>
@@ -30997,18 +30606,13 @@
               </a:lnSpc>
             </a:pPr>
             <a:r>
-              <a:rPr lang="ko-KR" altLang="en-US" sz="1000" dirty="0" smtClean="0">
+              <a:rPr lang="ko-KR" altLang="en-US" sz="1000" dirty="0">
                 <a:solidFill>
                   <a:srgbClr val="FF0000"/>
                 </a:solidFill>
               </a:rPr>
               <a:t>집밖에 있는 경우 인터넷으로도 확인 할 수 있어야 되요</a:t>
             </a:r>
-            <a:endParaRPr lang="ko-KR" altLang="en-US" sz="1000" dirty="0">
-              <a:solidFill>
-                <a:srgbClr val="FF0000"/>
-              </a:solidFill>
-            </a:endParaRPr>
           </a:p>
         </p:txBody>
       </p:sp>
@@ -31039,32 +30643,15 @@
               </a:lnSpc>
             </a:pPr>
             <a:r>
-              <a:rPr lang="ko-KR" altLang="en-US" sz="2800" dirty="0" smtClean="0">
+              <a:rPr lang="ko-KR" altLang="en-US" sz="2800" dirty="0">
                 <a:solidFill>
                   <a:schemeClr val="accent6">
                     <a:lumMod val="75000"/>
                   </a:schemeClr>
                 </a:solidFill>
               </a:rPr>
-              <a:t>필요한 순간 </a:t>
+              <a:t>필요한 순간  </a:t>
             </a:r>
-            <a:r>
-              <a:rPr lang="ko-KR" altLang="en-US" sz="2800" dirty="0" smtClean="0">
-                <a:solidFill>
-                  <a:schemeClr val="accent6">
-                    <a:lumMod val="75000"/>
-                  </a:schemeClr>
-                </a:solidFill>
-              </a:rPr>
-              <a:t> </a:t>
-            </a:r>
-            <a:endParaRPr lang="ko-KR" altLang="en-US" sz="2800" dirty="0">
-              <a:solidFill>
-                <a:schemeClr val="accent6">
-                  <a:lumMod val="75000"/>
-                </a:schemeClr>
-              </a:solidFill>
-            </a:endParaRPr>
           </a:p>
         </p:txBody>
       </p:sp>
@@ -31078,13 +30665,6 @@
   <p:clrMapOvr>
     <a:masterClrMapping/>
   </p:clrMapOvr>
-  <p:timing>
-    <p:tnLst>
-      <p:par>
-        <p:cTn id="1" dur="indefinite" restart="never" nodeType="tmRoot"/>
-      </p:par>
-    </p:tnLst>
-  </p:timing>
 </p:sld>
 </file>
 
@@ -31343,7 +30923,7 @@
   <a:extraClrSchemeLst/>
   <a:extLst>
     <a:ext uri="{05A4C25C-085E-4340-85A3-A5531E510DB2}">
-      <thm15:themeFamily xmlns:thm15="http://schemas.microsoft.com/office/thememl/2012/main" xmlns="" name="Office Theme" id="{62F939B6-93AF-4DB8-9C6B-D6C7DFDC589F}" vid="{4A3C46E8-61CC-4603-A589-7422A47A8E4A}"/>
+      <thm15:themeFamily xmlns:thm15="http://schemas.microsoft.com/office/thememl/2012/main" name="Office Theme" id="{62F939B6-93AF-4DB8-9C6B-D6C7DFDC589F}" vid="{4A3C46E8-61CC-4603-A589-7422A47A8E4A}"/>
     </a:ext>
   </a:extLst>
 </a:theme>
